--- a/ppt/send-arp-test.pptx
+++ b/ppt/send-arp-test.pptx
@@ -1,19 +1,114 @@
 
 <file path=ppt/presentation.xml><?xml version="1.0" encoding="utf-8"?>
-<p:presentation xmlns:a="http://schemas.openxmlformats.org/drawingml/2006/main" xmlns:p="http://schemas.openxmlformats.org/presentationml/2006/main" xmlns:r="http://schemas.openxmlformats.org/officeDocument/2006/relationships" xmlns:p14="http://schemas.microsoft.com/office/powerpoint/2010/main" xmlns:p15="http://schemas.microsoft.com/office/powerpoint/2012/main" xmlns:mc="http://schemas.openxmlformats.org/markup-compatibility/2006">
+<p:presentation xmlns:a="http://schemas.openxmlformats.org/drawingml/2006/main" xmlns:r="http://schemas.openxmlformats.org/officeDocument/2006/relationships" xmlns:p="http://schemas.openxmlformats.org/presentationml/2006/main">
   <p:sldMasterIdLst>
-    <p:sldMasterId id="2147483648" r:id="rId2"/>
+    <p:sldMasterId id="2147483648" r:id="rId1"/>
   </p:sldMasterIdLst>
   <p:sldIdLst>
-    <p:sldId id="256" r:id="rId3"/>
+    <p:sldId id="256" r:id="rId2"/>
   </p:sldIdLst>
   <p:sldSz cx="10080625" cy="5670550"/>
   <p:notesSz cx="7772400" cy="10058400"/>
+  <p:defaultTextStyle>
+    <a:defPPr>
+      <a:defRPr lang="ko-KR"/>
+    </a:defPPr>
+    <a:lvl1pPr marL="0" algn="l" defTabSz="914400" rtl="0" eaLnBrk="1" latinLnBrk="1" hangingPunct="1">
+      <a:defRPr sz="1800" kern="1200">
+        <a:solidFill>
+          <a:schemeClr val="tx1"/>
+        </a:solidFill>
+        <a:latin typeface="+mn-lt"/>
+        <a:ea typeface="+mn-ea"/>
+        <a:cs typeface="+mn-cs"/>
+      </a:defRPr>
+    </a:lvl1pPr>
+    <a:lvl2pPr marL="457200" algn="l" defTabSz="914400" rtl="0" eaLnBrk="1" latinLnBrk="1" hangingPunct="1">
+      <a:defRPr sz="1800" kern="1200">
+        <a:solidFill>
+          <a:schemeClr val="tx1"/>
+        </a:solidFill>
+        <a:latin typeface="+mn-lt"/>
+        <a:ea typeface="+mn-ea"/>
+        <a:cs typeface="+mn-cs"/>
+      </a:defRPr>
+    </a:lvl2pPr>
+    <a:lvl3pPr marL="914400" algn="l" defTabSz="914400" rtl="0" eaLnBrk="1" latinLnBrk="1" hangingPunct="1">
+      <a:defRPr sz="1800" kern="1200">
+        <a:solidFill>
+          <a:schemeClr val="tx1"/>
+        </a:solidFill>
+        <a:latin typeface="+mn-lt"/>
+        <a:ea typeface="+mn-ea"/>
+        <a:cs typeface="+mn-cs"/>
+      </a:defRPr>
+    </a:lvl3pPr>
+    <a:lvl4pPr marL="1371600" algn="l" defTabSz="914400" rtl="0" eaLnBrk="1" latinLnBrk="1" hangingPunct="1">
+      <a:defRPr sz="1800" kern="1200">
+        <a:solidFill>
+          <a:schemeClr val="tx1"/>
+        </a:solidFill>
+        <a:latin typeface="+mn-lt"/>
+        <a:ea typeface="+mn-ea"/>
+        <a:cs typeface="+mn-cs"/>
+      </a:defRPr>
+    </a:lvl4pPr>
+    <a:lvl5pPr marL="1828800" algn="l" defTabSz="914400" rtl="0" eaLnBrk="1" latinLnBrk="1" hangingPunct="1">
+      <a:defRPr sz="1800" kern="1200">
+        <a:solidFill>
+          <a:schemeClr val="tx1"/>
+        </a:solidFill>
+        <a:latin typeface="+mn-lt"/>
+        <a:ea typeface="+mn-ea"/>
+        <a:cs typeface="+mn-cs"/>
+      </a:defRPr>
+    </a:lvl5pPr>
+    <a:lvl6pPr marL="2286000" algn="l" defTabSz="914400" rtl="0" eaLnBrk="1" latinLnBrk="1" hangingPunct="1">
+      <a:defRPr sz="1800" kern="1200">
+        <a:solidFill>
+          <a:schemeClr val="tx1"/>
+        </a:solidFill>
+        <a:latin typeface="+mn-lt"/>
+        <a:ea typeface="+mn-ea"/>
+        <a:cs typeface="+mn-cs"/>
+      </a:defRPr>
+    </a:lvl6pPr>
+    <a:lvl7pPr marL="2743200" algn="l" defTabSz="914400" rtl="0" eaLnBrk="1" latinLnBrk="1" hangingPunct="1">
+      <a:defRPr sz="1800" kern="1200">
+        <a:solidFill>
+          <a:schemeClr val="tx1"/>
+        </a:solidFill>
+        <a:latin typeface="+mn-lt"/>
+        <a:ea typeface="+mn-ea"/>
+        <a:cs typeface="+mn-cs"/>
+      </a:defRPr>
+    </a:lvl7pPr>
+    <a:lvl8pPr marL="3200400" algn="l" defTabSz="914400" rtl="0" eaLnBrk="1" latinLnBrk="1" hangingPunct="1">
+      <a:defRPr sz="1800" kern="1200">
+        <a:solidFill>
+          <a:schemeClr val="tx1"/>
+        </a:solidFill>
+        <a:latin typeface="+mn-lt"/>
+        <a:ea typeface="+mn-ea"/>
+        <a:cs typeface="+mn-cs"/>
+      </a:defRPr>
+    </a:lvl8pPr>
+    <a:lvl9pPr marL="3657600" algn="l" defTabSz="914400" rtl="0" eaLnBrk="1" latinLnBrk="1" hangingPunct="1">
+      <a:defRPr sz="1800" kern="1200">
+        <a:solidFill>
+          <a:schemeClr val="tx1"/>
+        </a:solidFill>
+        <a:latin typeface="+mn-lt"/>
+        <a:ea typeface="+mn-ea"/>
+        <a:cs typeface="+mn-cs"/>
+      </a:defRPr>
+    </a:lvl9pPr>
+  </p:defaultTextStyle>
 </p:presentation>
 </file>
 
 <file path=ppt/slideLayouts/slideLayout1.xml><?xml version="1.0" encoding="utf-8"?>
-<p:sldLayout xmlns:a="http://schemas.openxmlformats.org/drawingml/2006/main" xmlns:p="http://schemas.openxmlformats.org/presentationml/2006/main" xmlns:r="http://schemas.openxmlformats.org/officeDocument/2006/relationships" xmlns:p14="http://schemas.microsoft.com/office/powerpoint/2010/main" xmlns:p15="http://schemas.microsoft.com/office/powerpoint/2012/main" xmlns:mc="http://schemas.openxmlformats.org/markup-compatibility/2006" type="blank" preserve="1">
+<p:sldLayout xmlns:a="http://schemas.openxmlformats.org/drawingml/2006/main" xmlns:r="http://schemas.openxmlformats.org/officeDocument/2006/relationships" xmlns:p="http://schemas.openxmlformats.org/presentationml/2006/main" type="blank" preserve="1">
   <p:cSld name="Blank Slide">
     <p:spTree>
       <p:nvGrpSpPr>
@@ -31,11 +126,14 @@
       </p:grpSpPr>
     </p:spTree>
   </p:cSld>
+  <p:clrMapOvr>
+    <a:masterClrMapping/>
+  </p:clrMapOvr>
 </p:sldLayout>
 </file>
 
 <file path=ppt/slideLayouts/slideLayout10.xml><?xml version="1.0" encoding="utf-8"?>
-<p:sldLayout xmlns:a="http://schemas.openxmlformats.org/drawingml/2006/main" xmlns:p="http://schemas.openxmlformats.org/presentationml/2006/main" xmlns:r="http://schemas.openxmlformats.org/officeDocument/2006/relationships" xmlns:p14="http://schemas.microsoft.com/office/powerpoint/2010/main" xmlns:p15="http://schemas.microsoft.com/office/powerpoint/2012/main" xmlns:mc="http://schemas.openxmlformats.org/markup-compatibility/2006" type="objOverTx" preserve="1">
+<p:sldLayout xmlns:a="http://schemas.openxmlformats.org/drawingml/2006/main" xmlns:r="http://schemas.openxmlformats.org/officeDocument/2006/relationships" xmlns:p="http://schemas.openxmlformats.org/presentationml/2006/main" type="objOverTx" preserve="1">
   <p:cSld name="Title, Content over Content">
     <p:spTree>
       <p:nvGrpSpPr>
@@ -71,12 +169,13 @@
           </a:prstGeom>
         </p:spPr>
         <p:txBody>
-          <a:bodyPr lIns="0" rIns="0" tIns="0" bIns="0" anchor="ctr">
+          <a:bodyPr lIns="0" tIns="0" rIns="0" bIns="0" anchor="ctr">
             <a:noAutofit/>
           </a:bodyPr>
+          <a:lstStyle/>
           <a:p>
             <a:pPr algn="ctr"/>
-            <a:endParaRPr b="0" lang="en-US" sz="4400" spc="-1" strike="noStrike">
+            <a:endParaRPr lang="en-US" sz="4400" b="0" strike="noStrike" spc="-1">
               <a:latin typeface="Arial"/>
             </a:endParaRPr>
           </a:p>
@@ -102,11 +201,12 @@
           </a:prstGeom>
         </p:spPr>
         <p:txBody>
-          <a:bodyPr lIns="0" rIns="0" tIns="0" bIns="0">
+          <a:bodyPr lIns="0" tIns="0" rIns="0" bIns="0">
             <a:normAutofit/>
           </a:bodyPr>
-          <a:p>
-            <a:endParaRPr b="0" lang="en-US" sz="3200" spc="-1" strike="noStrike">
+          <a:lstStyle/>
+          <a:p>
+            <a:endParaRPr lang="en-US" sz="3200" b="0" strike="noStrike" spc="-1">
               <a:latin typeface="Arial"/>
             </a:endParaRPr>
           </a:p>
@@ -132,11 +232,12 @@
           </a:prstGeom>
         </p:spPr>
         <p:txBody>
-          <a:bodyPr lIns="0" rIns="0" tIns="0" bIns="0">
+          <a:bodyPr lIns="0" tIns="0" rIns="0" bIns="0">
             <a:normAutofit/>
           </a:bodyPr>
-          <a:p>
-            <a:endParaRPr b="0" lang="en-US" sz="3200" spc="-1" strike="noStrike">
+          <a:lstStyle/>
+          <a:p>
+            <a:endParaRPr lang="en-US" sz="3200" b="0" strike="noStrike" spc="-1">
               <a:latin typeface="Arial"/>
             </a:endParaRPr>
           </a:p>
@@ -144,11 +245,14 @@
       </p:sp>
     </p:spTree>
   </p:cSld>
+  <p:clrMapOvr>
+    <a:masterClrMapping/>
+  </p:clrMapOvr>
 </p:sldLayout>
 </file>
 
 <file path=ppt/slideLayouts/slideLayout11.xml><?xml version="1.0" encoding="utf-8"?>
-<p:sldLayout xmlns:a="http://schemas.openxmlformats.org/drawingml/2006/main" xmlns:p="http://schemas.openxmlformats.org/presentationml/2006/main" xmlns:r="http://schemas.openxmlformats.org/officeDocument/2006/relationships" xmlns:p14="http://schemas.microsoft.com/office/powerpoint/2010/main" xmlns:p15="http://schemas.microsoft.com/office/powerpoint/2012/main" xmlns:mc="http://schemas.openxmlformats.org/markup-compatibility/2006" type="fourObj" preserve="1">
+<p:sldLayout xmlns:a="http://schemas.openxmlformats.org/drawingml/2006/main" xmlns:r="http://schemas.openxmlformats.org/officeDocument/2006/relationships" xmlns:p="http://schemas.openxmlformats.org/presentationml/2006/main" type="fourObj" preserve="1">
   <p:cSld name="Title, 4 Content">
     <p:spTree>
       <p:nvGrpSpPr>
@@ -184,12 +288,13 @@
           </a:prstGeom>
         </p:spPr>
         <p:txBody>
-          <a:bodyPr lIns="0" rIns="0" tIns="0" bIns="0" anchor="ctr">
+          <a:bodyPr lIns="0" tIns="0" rIns="0" bIns="0" anchor="ctr">
             <a:noAutofit/>
           </a:bodyPr>
+          <a:lstStyle/>
           <a:p>
             <a:pPr algn="ctr"/>
-            <a:endParaRPr b="0" lang="en-US" sz="4400" spc="-1" strike="noStrike">
+            <a:endParaRPr lang="en-US" sz="4400" b="0" strike="noStrike" spc="-1">
               <a:latin typeface="Arial"/>
             </a:endParaRPr>
           </a:p>
@@ -215,11 +320,12 @@
           </a:prstGeom>
         </p:spPr>
         <p:txBody>
-          <a:bodyPr lIns="0" rIns="0" tIns="0" bIns="0">
+          <a:bodyPr lIns="0" tIns="0" rIns="0" bIns="0">
             <a:normAutofit/>
           </a:bodyPr>
-          <a:p>
-            <a:endParaRPr b="0" lang="en-US" sz="3200" spc="-1" strike="noStrike">
+          <a:lstStyle/>
+          <a:p>
+            <a:endParaRPr lang="en-US" sz="3200" b="0" strike="noStrike" spc="-1">
               <a:latin typeface="Arial"/>
             </a:endParaRPr>
           </a:p>
@@ -245,11 +351,12 @@
           </a:prstGeom>
         </p:spPr>
         <p:txBody>
-          <a:bodyPr lIns="0" rIns="0" tIns="0" bIns="0">
+          <a:bodyPr lIns="0" tIns="0" rIns="0" bIns="0">
             <a:normAutofit/>
           </a:bodyPr>
-          <a:p>
-            <a:endParaRPr b="0" lang="en-US" sz="3200" spc="-1" strike="noStrike">
+          <a:lstStyle/>
+          <a:p>
+            <a:endParaRPr lang="en-US" sz="3200" b="0" strike="noStrike" spc="-1">
               <a:latin typeface="Arial"/>
             </a:endParaRPr>
           </a:p>
@@ -275,11 +382,12 @@
           </a:prstGeom>
         </p:spPr>
         <p:txBody>
-          <a:bodyPr lIns="0" rIns="0" tIns="0" bIns="0">
+          <a:bodyPr lIns="0" tIns="0" rIns="0" bIns="0">
             <a:normAutofit/>
           </a:bodyPr>
-          <a:p>
-            <a:endParaRPr b="0" lang="en-US" sz="3200" spc="-1" strike="noStrike">
+          <a:lstStyle/>
+          <a:p>
+            <a:endParaRPr lang="en-US" sz="3200" b="0" strike="noStrike" spc="-1">
               <a:latin typeface="Arial"/>
             </a:endParaRPr>
           </a:p>
@@ -305,11 +413,12 @@
           </a:prstGeom>
         </p:spPr>
         <p:txBody>
-          <a:bodyPr lIns="0" rIns="0" tIns="0" bIns="0">
+          <a:bodyPr lIns="0" tIns="0" rIns="0" bIns="0">
             <a:normAutofit/>
           </a:bodyPr>
-          <a:p>
-            <a:endParaRPr b="0" lang="en-US" sz="3200" spc="-1" strike="noStrike">
+          <a:lstStyle/>
+          <a:p>
+            <a:endParaRPr lang="en-US" sz="3200" b="0" strike="noStrike" spc="-1">
               <a:latin typeface="Arial"/>
             </a:endParaRPr>
           </a:p>
@@ -317,11 +426,14 @@
       </p:sp>
     </p:spTree>
   </p:cSld>
+  <p:clrMapOvr>
+    <a:masterClrMapping/>
+  </p:clrMapOvr>
 </p:sldLayout>
 </file>
 
 <file path=ppt/slideLayouts/slideLayout12.xml><?xml version="1.0" encoding="utf-8"?>
-<p:sldLayout xmlns:a="http://schemas.openxmlformats.org/drawingml/2006/main" xmlns:p="http://schemas.openxmlformats.org/presentationml/2006/main" xmlns:r="http://schemas.openxmlformats.org/officeDocument/2006/relationships" xmlns:p14="http://schemas.microsoft.com/office/powerpoint/2010/main" xmlns:p15="http://schemas.microsoft.com/office/powerpoint/2012/main" xmlns:mc="http://schemas.openxmlformats.org/markup-compatibility/2006" type="blank" preserve="1">
+<p:sldLayout xmlns:a="http://schemas.openxmlformats.org/drawingml/2006/main" xmlns:r="http://schemas.openxmlformats.org/officeDocument/2006/relationships" xmlns:p="http://schemas.openxmlformats.org/presentationml/2006/main" type="blank" preserve="1">
   <p:cSld name="Title, 6 Content">
     <p:spTree>
       <p:nvGrpSpPr>
@@ -357,12 +469,13 @@
           </a:prstGeom>
         </p:spPr>
         <p:txBody>
-          <a:bodyPr lIns="0" rIns="0" tIns="0" bIns="0" anchor="ctr">
+          <a:bodyPr lIns="0" tIns="0" rIns="0" bIns="0" anchor="ctr">
             <a:noAutofit/>
           </a:bodyPr>
+          <a:lstStyle/>
           <a:p>
             <a:pPr algn="ctr"/>
-            <a:endParaRPr b="0" lang="en-US" sz="4400" spc="-1" strike="noStrike">
+            <a:endParaRPr lang="en-US" sz="4400" b="0" strike="noStrike" spc="-1">
               <a:latin typeface="Arial"/>
             </a:endParaRPr>
           </a:p>
@@ -388,11 +501,12 @@
           </a:prstGeom>
         </p:spPr>
         <p:txBody>
-          <a:bodyPr lIns="0" rIns="0" tIns="0" bIns="0">
+          <a:bodyPr lIns="0" tIns="0" rIns="0" bIns="0">
             <a:normAutofit/>
           </a:bodyPr>
-          <a:p>
-            <a:endParaRPr b="0" lang="en-US" sz="3200" spc="-1" strike="noStrike">
+          <a:lstStyle/>
+          <a:p>
+            <a:endParaRPr lang="en-US" sz="3200" b="0" strike="noStrike" spc="-1">
               <a:latin typeface="Arial"/>
             </a:endParaRPr>
           </a:p>
@@ -418,11 +532,12 @@
           </a:prstGeom>
         </p:spPr>
         <p:txBody>
-          <a:bodyPr lIns="0" rIns="0" tIns="0" bIns="0">
+          <a:bodyPr lIns="0" tIns="0" rIns="0" bIns="0">
             <a:normAutofit/>
           </a:bodyPr>
-          <a:p>
-            <a:endParaRPr b="0" lang="en-US" sz="3200" spc="-1" strike="noStrike">
+          <a:lstStyle/>
+          <a:p>
+            <a:endParaRPr lang="en-US" sz="3200" b="0" strike="noStrike" spc="-1">
               <a:latin typeface="Arial"/>
             </a:endParaRPr>
           </a:p>
@@ -448,11 +563,12 @@
           </a:prstGeom>
         </p:spPr>
         <p:txBody>
-          <a:bodyPr lIns="0" rIns="0" tIns="0" bIns="0">
+          <a:bodyPr lIns="0" tIns="0" rIns="0" bIns="0">
             <a:normAutofit/>
           </a:bodyPr>
-          <a:p>
-            <a:endParaRPr b="0" lang="en-US" sz="3200" spc="-1" strike="noStrike">
+          <a:lstStyle/>
+          <a:p>
+            <a:endParaRPr lang="en-US" sz="3200" b="0" strike="noStrike" spc="-1">
               <a:latin typeface="Arial"/>
             </a:endParaRPr>
           </a:p>
@@ -478,11 +594,12 @@
           </a:prstGeom>
         </p:spPr>
         <p:txBody>
-          <a:bodyPr lIns="0" rIns="0" tIns="0" bIns="0">
+          <a:bodyPr lIns="0" tIns="0" rIns="0" bIns="0">
             <a:normAutofit/>
           </a:bodyPr>
-          <a:p>
-            <a:endParaRPr b="0" lang="en-US" sz="3200" spc="-1" strike="noStrike">
+          <a:lstStyle/>
+          <a:p>
+            <a:endParaRPr lang="en-US" sz="3200" b="0" strike="noStrike" spc="-1">
               <a:latin typeface="Arial"/>
             </a:endParaRPr>
           </a:p>
@@ -508,11 +625,12 @@
           </a:prstGeom>
         </p:spPr>
         <p:txBody>
-          <a:bodyPr lIns="0" rIns="0" tIns="0" bIns="0">
+          <a:bodyPr lIns="0" tIns="0" rIns="0" bIns="0">
             <a:normAutofit/>
           </a:bodyPr>
-          <a:p>
-            <a:endParaRPr b="0" lang="en-US" sz="3200" spc="-1" strike="noStrike">
+          <a:lstStyle/>
+          <a:p>
+            <a:endParaRPr lang="en-US" sz="3200" b="0" strike="noStrike" spc="-1">
               <a:latin typeface="Arial"/>
             </a:endParaRPr>
           </a:p>
@@ -538,11 +656,12 @@
           </a:prstGeom>
         </p:spPr>
         <p:txBody>
-          <a:bodyPr lIns="0" rIns="0" tIns="0" bIns="0">
+          <a:bodyPr lIns="0" tIns="0" rIns="0" bIns="0">
             <a:normAutofit/>
           </a:bodyPr>
-          <a:p>
-            <a:endParaRPr b="0" lang="en-US" sz="3200" spc="-1" strike="noStrike">
+          <a:lstStyle/>
+          <a:p>
+            <a:endParaRPr lang="en-US" sz="3200" b="0" strike="noStrike" spc="-1">
               <a:latin typeface="Arial"/>
             </a:endParaRPr>
           </a:p>
@@ -550,11 +669,14 @@
       </p:sp>
     </p:spTree>
   </p:cSld>
+  <p:clrMapOvr>
+    <a:masterClrMapping/>
+  </p:clrMapOvr>
 </p:sldLayout>
 </file>
 
 <file path=ppt/slideLayouts/slideLayout2.xml><?xml version="1.0" encoding="utf-8"?>
-<p:sldLayout xmlns:a="http://schemas.openxmlformats.org/drawingml/2006/main" xmlns:p="http://schemas.openxmlformats.org/presentationml/2006/main" xmlns:r="http://schemas.openxmlformats.org/officeDocument/2006/relationships" xmlns:p14="http://schemas.microsoft.com/office/powerpoint/2010/main" xmlns:p15="http://schemas.microsoft.com/office/powerpoint/2012/main" xmlns:mc="http://schemas.openxmlformats.org/markup-compatibility/2006" type="tx" preserve="1">
+<p:sldLayout xmlns:a="http://schemas.openxmlformats.org/drawingml/2006/main" xmlns:r="http://schemas.openxmlformats.org/officeDocument/2006/relationships" xmlns:p="http://schemas.openxmlformats.org/presentationml/2006/main" type="tx" preserve="1">
   <p:cSld name="Title Slide">
     <p:spTree>
       <p:nvGrpSpPr>
@@ -590,12 +712,13 @@
           </a:prstGeom>
         </p:spPr>
         <p:txBody>
-          <a:bodyPr lIns="0" rIns="0" tIns="0" bIns="0" anchor="ctr">
+          <a:bodyPr lIns="0" tIns="0" rIns="0" bIns="0" anchor="ctr">
             <a:noAutofit/>
           </a:bodyPr>
+          <a:lstStyle/>
           <a:p>
             <a:pPr algn="ctr"/>
-            <a:endParaRPr b="0" lang="en-US" sz="4400" spc="-1" strike="noStrike">
+            <a:endParaRPr lang="en-US" sz="4400" b="0" strike="noStrike" spc="-1">
               <a:latin typeface="Arial"/>
             </a:endParaRPr>
           </a:p>
@@ -621,12 +744,13 @@
           </a:prstGeom>
         </p:spPr>
         <p:txBody>
-          <a:bodyPr lIns="0" rIns="0" tIns="0" bIns="0" anchor="ctr">
+          <a:bodyPr lIns="0" tIns="0" rIns="0" bIns="0" anchor="ctr">
             <a:noAutofit/>
           </a:bodyPr>
+          <a:lstStyle/>
           <a:p>
             <a:pPr algn="ctr"/>
-            <a:endParaRPr b="0" lang="en-US" sz="3200" spc="-1" strike="noStrike">
+            <a:endParaRPr lang="en-US" sz="3200" b="0" strike="noStrike" spc="-1">
               <a:latin typeface="Arial"/>
             </a:endParaRPr>
           </a:p>
@@ -634,11 +758,14 @@
       </p:sp>
     </p:spTree>
   </p:cSld>
+  <p:clrMapOvr>
+    <a:masterClrMapping/>
+  </p:clrMapOvr>
 </p:sldLayout>
 </file>
 
 <file path=ppt/slideLayouts/slideLayout3.xml><?xml version="1.0" encoding="utf-8"?>
-<p:sldLayout xmlns:a="http://schemas.openxmlformats.org/drawingml/2006/main" xmlns:p="http://schemas.openxmlformats.org/presentationml/2006/main" xmlns:r="http://schemas.openxmlformats.org/officeDocument/2006/relationships" xmlns:p14="http://schemas.microsoft.com/office/powerpoint/2010/main" xmlns:p15="http://schemas.microsoft.com/office/powerpoint/2012/main" xmlns:mc="http://schemas.openxmlformats.org/markup-compatibility/2006" type="obj" preserve="1">
+<p:sldLayout xmlns:a="http://schemas.openxmlformats.org/drawingml/2006/main" xmlns:r="http://schemas.openxmlformats.org/officeDocument/2006/relationships" xmlns:p="http://schemas.openxmlformats.org/presentationml/2006/main" type="obj" preserve="1">
   <p:cSld name="Title, Content">
     <p:spTree>
       <p:nvGrpSpPr>
@@ -674,12 +801,13 @@
           </a:prstGeom>
         </p:spPr>
         <p:txBody>
-          <a:bodyPr lIns="0" rIns="0" tIns="0" bIns="0" anchor="ctr">
+          <a:bodyPr lIns="0" tIns="0" rIns="0" bIns="0" anchor="ctr">
             <a:noAutofit/>
           </a:bodyPr>
+          <a:lstStyle/>
           <a:p>
             <a:pPr algn="ctr"/>
-            <a:endParaRPr b="0" lang="en-US" sz="4400" spc="-1" strike="noStrike">
+            <a:endParaRPr lang="en-US" sz="4400" b="0" strike="noStrike" spc="-1">
               <a:latin typeface="Arial"/>
             </a:endParaRPr>
           </a:p>
@@ -705,11 +833,12 @@
           </a:prstGeom>
         </p:spPr>
         <p:txBody>
-          <a:bodyPr lIns="0" rIns="0" tIns="0" bIns="0">
+          <a:bodyPr lIns="0" tIns="0" rIns="0" bIns="0">
             <a:normAutofit/>
           </a:bodyPr>
-          <a:p>
-            <a:endParaRPr b="0" lang="en-US" sz="3200" spc="-1" strike="noStrike">
+          <a:lstStyle/>
+          <a:p>
+            <a:endParaRPr lang="en-US" sz="3200" b="0" strike="noStrike" spc="-1">
               <a:latin typeface="Arial"/>
             </a:endParaRPr>
           </a:p>
@@ -717,11 +846,14 @@
       </p:sp>
     </p:spTree>
   </p:cSld>
+  <p:clrMapOvr>
+    <a:masterClrMapping/>
+  </p:clrMapOvr>
 </p:sldLayout>
 </file>
 
 <file path=ppt/slideLayouts/slideLayout4.xml><?xml version="1.0" encoding="utf-8"?>
-<p:sldLayout xmlns:a="http://schemas.openxmlformats.org/drawingml/2006/main" xmlns:p="http://schemas.openxmlformats.org/presentationml/2006/main" xmlns:r="http://schemas.openxmlformats.org/officeDocument/2006/relationships" xmlns:p14="http://schemas.microsoft.com/office/powerpoint/2010/main" xmlns:p15="http://schemas.microsoft.com/office/powerpoint/2012/main" xmlns:mc="http://schemas.openxmlformats.org/markup-compatibility/2006" type="twoObj" preserve="1">
+<p:sldLayout xmlns:a="http://schemas.openxmlformats.org/drawingml/2006/main" xmlns:r="http://schemas.openxmlformats.org/officeDocument/2006/relationships" xmlns:p="http://schemas.openxmlformats.org/presentationml/2006/main" type="twoObj" preserve="1">
   <p:cSld name="Title, 2 Content">
     <p:spTree>
       <p:nvGrpSpPr>
@@ -757,12 +889,13 @@
           </a:prstGeom>
         </p:spPr>
         <p:txBody>
-          <a:bodyPr lIns="0" rIns="0" tIns="0" bIns="0" anchor="ctr">
+          <a:bodyPr lIns="0" tIns="0" rIns="0" bIns="0" anchor="ctr">
             <a:noAutofit/>
           </a:bodyPr>
+          <a:lstStyle/>
           <a:p>
             <a:pPr algn="ctr"/>
-            <a:endParaRPr b="0" lang="en-US" sz="4400" spc="-1" strike="noStrike">
+            <a:endParaRPr lang="en-US" sz="4400" b="0" strike="noStrike" spc="-1">
               <a:latin typeface="Arial"/>
             </a:endParaRPr>
           </a:p>
@@ -788,11 +921,12 @@
           </a:prstGeom>
         </p:spPr>
         <p:txBody>
-          <a:bodyPr lIns="0" rIns="0" tIns="0" bIns="0">
+          <a:bodyPr lIns="0" tIns="0" rIns="0" bIns="0">
             <a:normAutofit/>
           </a:bodyPr>
-          <a:p>
-            <a:endParaRPr b="0" lang="en-US" sz="3200" spc="-1" strike="noStrike">
+          <a:lstStyle/>
+          <a:p>
+            <a:endParaRPr lang="en-US" sz="3200" b="0" strike="noStrike" spc="-1">
               <a:latin typeface="Arial"/>
             </a:endParaRPr>
           </a:p>
@@ -818,11 +952,12 @@
           </a:prstGeom>
         </p:spPr>
         <p:txBody>
-          <a:bodyPr lIns="0" rIns="0" tIns="0" bIns="0">
+          <a:bodyPr lIns="0" tIns="0" rIns="0" bIns="0">
             <a:normAutofit/>
           </a:bodyPr>
-          <a:p>
-            <a:endParaRPr b="0" lang="en-US" sz="3200" spc="-1" strike="noStrike">
+          <a:lstStyle/>
+          <a:p>
+            <a:endParaRPr lang="en-US" sz="3200" b="0" strike="noStrike" spc="-1">
               <a:latin typeface="Arial"/>
             </a:endParaRPr>
           </a:p>
@@ -830,11 +965,14 @@
       </p:sp>
     </p:spTree>
   </p:cSld>
+  <p:clrMapOvr>
+    <a:masterClrMapping/>
+  </p:clrMapOvr>
 </p:sldLayout>
 </file>
 
 <file path=ppt/slideLayouts/slideLayout5.xml><?xml version="1.0" encoding="utf-8"?>
-<p:sldLayout xmlns:a="http://schemas.openxmlformats.org/drawingml/2006/main" xmlns:p="http://schemas.openxmlformats.org/presentationml/2006/main" xmlns:r="http://schemas.openxmlformats.org/officeDocument/2006/relationships" xmlns:p14="http://schemas.microsoft.com/office/powerpoint/2010/main" xmlns:p15="http://schemas.microsoft.com/office/powerpoint/2012/main" xmlns:mc="http://schemas.openxmlformats.org/markup-compatibility/2006" type="titleOnly" preserve="1">
+<p:sldLayout xmlns:a="http://schemas.openxmlformats.org/drawingml/2006/main" xmlns:r="http://schemas.openxmlformats.org/officeDocument/2006/relationships" xmlns:p="http://schemas.openxmlformats.org/presentationml/2006/main" type="titleOnly" preserve="1">
   <p:cSld name="Title Only">
     <p:spTree>
       <p:nvGrpSpPr>
@@ -870,12 +1008,13 @@
           </a:prstGeom>
         </p:spPr>
         <p:txBody>
-          <a:bodyPr lIns="0" rIns="0" tIns="0" bIns="0" anchor="ctr">
+          <a:bodyPr lIns="0" tIns="0" rIns="0" bIns="0" anchor="ctr">
             <a:noAutofit/>
           </a:bodyPr>
+          <a:lstStyle/>
           <a:p>
             <a:pPr algn="ctr"/>
-            <a:endParaRPr b="0" lang="en-US" sz="4400" spc="-1" strike="noStrike">
+            <a:endParaRPr lang="en-US" sz="4400" b="0" strike="noStrike" spc="-1">
               <a:latin typeface="Arial"/>
             </a:endParaRPr>
           </a:p>
@@ -883,11 +1022,14 @@
       </p:sp>
     </p:spTree>
   </p:cSld>
+  <p:clrMapOvr>
+    <a:masterClrMapping/>
+  </p:clrMapOvr>
 </p:sldLayout>
 </file>
 
 <file path=ppt/slideLayouts/slideLayout6.xml><?xml version="1.0" encoding="utf-8"?>
-<p:sldLayout xmlns:a="http://schemas.openxmlformats.org/drawingml/2006/main" xmlns:p="http://schemas.openxmlformats.org/presentationml/2006/main" xmlns:r="http://schemas.openxmlformats.org/officeDocument/2006/relationships" xmlns:p14="http://schemas.microsoft.com/office/powerpoint/2010/main" xmlns:p15="http://schemas.microsoft.com/office/powerpoint/2012/main" xmlns:mc="http://schemas.openxmlformats.org/markup-compatibility/2006" type="objOnly" preserve="1">
+<p:sldLayout xmlns:a="http://schemas.openxmlformats.org/drawingml/2006/main" xmlns:r="http://schemas.openxmlformats.org/officeDocument/2006/relationships" xmlns:p="http://schemas.openxmlformats.org/presentationml/2006/main" type="objOnly" preserve="1">
   <p:cSld name="Centered Text">
     <p:spTree>
       <p:nvGrpSpPr>
@@ -923,12 +1065,13 @@
           </a:prstGeom>
         </p:spPr>
         <p:txBody>
-          <a:bodyPr lIns="0" rIns="0" tIns="0" bIns="0" anchor="ctr">
+          <a:bodyPr lIns="0" tIns="0" rIns="0" bIns="0" anchor="ctr">
             <a:noAutofit/>
           </a:bodyPr>
+          <a:lstStyle/>
           <a:p>
             <a:pPr algn="ctr"/>
-            <a:endParaRPr b="0" lang="en-US" sz="3200" spc="-1" strike="noStrike">
+            <a:endParaRPr lang="en-US" sz="3200" b="0" strike="noStrike" spc="-1">
               <a:latin typeface="Arial"/>
             </a:endParaRPr>
           </a:p>
@@ -936,11 +1079,14 @@
       </p:sp>
     </p:spTree>
   </p:cSld>
+  <p:clrMapOvr>
+    <a:masterClrMapping/>
+  </p:clrMapOvr>
 </p:sldLayout>
 </file>
 
 <file path=ppt/slideLayouts/slideLayout7.xml><?xml version="1.0" encoding="utf-8"?>
-<p:sldLayout xmlns:a="http://schemas.openxmlformats.org/drawingml/2006/main" xmlns:p="http://schemas.openxmlformats.org/presentationml/2006/main" xmlns:r="http://schemas.openxmlformats.org/officeDocument/2006/relationships" xmlns:p14="http://schemas.microsoft.com/office/powerpoint/2010/main" xmlns:p15="http://schemas.microsoft.com/office/powerpoint/2012/main" xmlns:mc="http://schemas.openxmlformats.org/markup-compatibility/2006" type="twoObjAndObj" preserve="1">
+<p:sldLayout xmlns:a="http://schemas.openxmlformats.org/drawingml/2006/main" xmlns:r="http://schemas.openxmlformats.org/officeDocument/2006/relationships" xmlns:p="http://schemas.openxmlformats.org/presentationml/2006/main" type="twoObjAndObj" preserve="1">
   <p:cSld name="Title, 2 Content and Content">
     <p:spTree>
       <p:nvGrpSpPr>
@@ -976,12 +1122,13 @@
           </a:prstGeom>
         </p:spPr>
         <p:txBody>
-          <a:bodyPr lIns="0" rIns="0" tIns="0" bIns="0" anchor="ctr">
+          <a:bodyPr lIns="0" tIns="0" rIns="0" bIns="0" anchor="ctr">
             <a:noAutofit/>
           </a:bodyPr>
+          <a:lstStyle/>
           <a:p>
             <a:pPr algn="ctr"/>
-            <a:endParaRPr b="0" lang="en-US" sz="4400" spc="-1" strike="noStrike">
+            <a:endParaRPr lang="en-US" sz="4400" b="0" strike="noStrike" spc="-1">
               <a:latin typeface="Arial"/>
             </a:endParaRPr>
           </a:p>
@@ -1007,11 +1154,12 @@
           </a:prstGeom>
         </p:spPr>
         <p:txBody>
-          <a:bodyPr lIns="0" rIns="0" tIns="0" bIns="0">
+          <a:bodyPr lIns="0" tIns="0" rIns="0" bIns="0">
             <a:normAutofit/>
           </a:bodyPr>
-          <a:p>
-            <a:endParaRPr b="0" lang="en-US" sz="3200" spc="-1" strike="noStrike">
+          <a:lstStyle/>
+          <a:p>
+            <a:endParaRPr lang="en-US" sz="3200" b="0" strike="noStrike" spc="-1">
               <a:latin typeface="Arial"/>
             </a:endParaRPr>
           </a:p>
@@ -1037,11 +1185,12 @@
           </a:prstGeom>
         </p:spPr>
         <p:txBody>
-          <a:bodyPr lIns="0" rIns="0" tIns="0" bIns="0">
+          <a:bodyPr lIns="0" tIns="0" rIns="0" bIns="0">
             <a:normAutofit/>
           </a:bodyPr>
-          <a:p>
-            <a:endParaRPr b="0" lang="en-US" sz="3200" spc="-1" strike="noStrike">
+          <a:lstStyle/>
+          <a:p>
+            <a:endParaRPr lang="en-US" sz="3200" b="0" strike="noStrike" spc="-1">
               <a:latin typeface="Arial"/>
             </a:endParaRPr>
           </a:p>
@@ -1067,11 +1216,12 @@
           </a:prstGeom>
         </p:spPr>
         <p:txBody>
-          <a:bodyPr lIns="0" rIns="0" tIns="0" bIns="0">
+          <a:bodyPr lIns="0" tIns="0" rIns="0" bIns="0">
             <a:normAutofit/>
           </a:bodyPr>
-          <a:p>
-            <a:endParaRPr b="0" lang="en-US" sz="3200" spc="-1" strike="noStrike">
+          <a:lstStyle/>
+          <a:p>
+            <a:endParaRPr lang="en-US" sz="3200" b="0" strike="noStrike" spc="-1">
               <a:latin typeface="Arial"/>
             </a:endParaRPr>
           </a:p>
@@ -1079,11 +1229,14 @@
       </p:sp>
     </p:spTree>
   </p:cSld>
+  <p:clrMapOvr>
+    <a:masterClrMapping/>
+  </p:clrMapOvr>
 </p:sldLayout>
 </file>
 
 <file path=ppt/slideLayouts/slideLayout8.xml><?xml version="1.0" encoding="utf-8"?>
-<p:sldLayout xmlns:a="http://schemas.openxmlformats.org/drawingml/2006/main" xmlns:p="http://schemas.openxmlformats.org/presentationml/2006/main" xmlns:r="http://schemas.openxmlformats.org/officeDocument/2006/relationships" xmlns:p14="http://schemas.microsoft.com/office/powerpoint/2010/main" xmlns:p15="http://schemas.microsoft.com/office/powerpoint/2012/main" xmlns:mc="http://schemas.openxmlformats.org/markup-compatibility/2006" type="objAndTwoObj" preserve="1">
+<p:sldLayout xmlns:a="http://schemas.openxmlformats.org/drawingml/2006/main" xmlns:r="http://schemas.openxmlformats.org/officeDocument/2006/relationships" xmlns:p="http://schemas.openxmlformats.org/presentationml/2006/main" type="objAndTwoObj" preserve="1">
   <p:cSld name="Title Content and 2 Content">
     <p:spTree>
       <p:nvGrpSpPr>
@@ -1119,12 +1272,13 @@
           </a:prstGeom>
         </p:spPr>
         <p:txBody>
-          <a:bodyPr lIns="0" rIns="0" tIns="0" bIns="0" anchor="ctr">
+          <a:bodyPr lIns="0" tIns="0" rIns="0" bIns="0" anchor="ctr">
             <a:noAutofit/>
           </a:bodyPr>
+          <a:lstStyle/>
           <a:p>
             <a:pPr algn="ctr"/>
-            <a:endParaRPr b="0" lang="en-US" sz="4400" spc="-1" strike="noStrike">
+            <a:endParaRPr lang="en-US" sz="4400" b="0" strike="noStrike" spc="-1">
               <a:latin typeface="Arial"/>
             </a:endParaRPr>
           </a:p>
@@ -1150,11 +1304,12 @@
           </a:prstGeom>
         </p:spPr>
         <p:txBody>
-          <a:bodyPr lIns="0" rIns="0" tIns="0" bIns="0">
+          <a:bodyPr lIns="0" tIns="0" rIns="0" bIns="0">
             <a:normAutofit/>
           </a:bodyPr>
-          <a:p>
-            <a:endParaRPr b="0" lang="en-US" sz="3200" spc="-1" strike="noStrike">
+          <a:lstStyle/>
+          <a:p>
+            <a:endParaRPr lang="en-US" sz="3200" b="0" strike="noStrike" spc="-1">
               <a:latin typeface="Arial"/>
             </a:endParaRPr>
           </a:p>
@@ -1180,11 +1335,12 @@
           </a:prstGeom>
         </p:spPr>
         <p:txBody>
-          <a:bodyPr lIns="0" rIns="0" tIns="0" bIns="0">
+          <a:bodyPr lIns="0" tIns="0" rIns="0" bIns="0">
             <a:normAutofit/>
           </a:bodyPr>
-          <a:p>
-            <a:endParaRPr b="0" lang="en-US" sz="3200" spc="-1" strike="noStrike">
+          <a:lstStyle/>
+          <a:p>
+            <a:endParaRPr lang="en-US" sz="3200" b="0" strike="noStrike" spc="-1">
               <a:latin typeface="Arial"/>
             </a:endParaRPr>
           </a:p>
@@ -1210,11 +1366,12 @@
           </a:prstGeom>
         </p:spPr>
         <p:txBody>
-          <a:bodyPr lIns="0" rIns="0" tIns="0" bIns="0">
+          <a:bodyPr lIns="0" tIns="0" rIns="0" bIns="0">
             <a:normAutofit/>
           </a:bodyPr>
-          <a:p>
-            <a:endParaRPr b="0" lang="en-US" sz="3200" spc="-1" strike="noStrike">
+          <a:lstStyle/>
+          <a:p>
+            <a:endParaRPr lang="en-US" sz="3200" b="0" strike="noStrike" spc="-1">
               <a:latin typeface="Arial"/>
             </a:endParaRPr>
           </a:p>
@@ -1222,11 +1379,14 @@
       </p:sp>
     </p:spTree>
   </p:cSld>
+  <p:clrMapOvr>
+    <a:masterClrMapping/>
+  </p:clrMapOvr>
 </p:sldLayout>
 </file>
 
 <file path=ppt/slideLayouts/slideLayout9.xml><?xml version="1.0" encoding="utf-8"?>
-<p:sldLayout xmlns:a="http://schemas.openxmlformats.org/drawingml/2006/main" xmlns:p="http://schemas.openxmlformats.org/presentationml/2006/main" xmlns:r="http://schemas.openxmlformats.org/officeDocument/2006/relationships" xmlns:p14="http://schemas.microsoft.com/office/powerpoint/2010/main" xmlns:p15="http://schemas.microsoft.com/office/powerpoint/2012/main" xmlns:mc="http://schemas.openxmlformats.org/markup-compatibility/2006" type="twoObjOverTx" preserve="1">
+<p:sldLayout xmlns:a="http://schemas.openxmlformats.org/drawingml/2006/main" xmlns:r="http://schemas.openxmlformats.org/officeDocument/2006/relationships" xmlns:p="http://schemas.openxmlformats.org/presentationml/2006/main" type="twoObjOverTx" preserve="1">
   <p:cSld name="Title, 2 Content over Content">
     <p:spTree>
       <p:nvGrpSpPr>
@@ -1262,12 +1422,13 @@
           </a:prstGeom>
         </p:spPr>
         <p:txBody>
-          <a:bodyPr lIns="0" rIns="0" tIns="0" bIns="0" anchor="ctr">
+          <a:bodyPr lIns="0" tIns="0" rIns="0" bIns="0" anchor="ctr">
             <a:noAutofit/>
           </a:bodyPr>
+          <a:lstStyle/>
           <a:p>
             <a:pPr algn="ctr"/>
-            <a:endParaRPr b="0" lang="en-US" sz="4400" spc="-1" strike="noStrike">
+            <a:endParaRPr lang="en-US" sz="4400" b="0" strike="noStrike" spc="-1">
               <a:latin typeface="Arial"/>
             </a:endParaRPr>
           </a:p>
@@ -1293,11 +1454,12 @@
           </a:prstGeom>
         </p:spPr>
         <p:txBody>
-          <a:bodyPr lIns="0" rIns="0" tIns="0" bIns="0">
+          <a:bodyPr lIns="0" tIns="0" rIns="0" bIns="0">
             <a:normAutofit/>
           </a:bodyPr>
-          <a:p>
-            <a:endParaRPr b="0" lang="en-US" sz="3200" spc="-1" strike="noStrike">
+          <a:lstStyle/>
+          <a:p>
+            <a:endParaRPr lang="en-US" sz="3200" b="0" strike="noStrike" spc="-1">
               <a:latin typeface="Arial"/>
             </a:endParaRPr>
           </a:p>
@@ -1323,11 +1485,12 @@
           </a:prstGeom>
         </p:spPr>
         <p:txBody>
-          <a:bodyPr lIns="0" rIns="0" tIns="0" bIns="0">
+          <a:bodyPr lIns="0" tIns="0" rIns="0" bIns="0">
             <a:normAutofit/>
           </a:bodyPr>
-          <a:p>
-            <a:endParaRPr b="0" lang="en-US" sz="3200" spc="-1" strike="noStrike">
+          <a:lstStyle/>
+          <a:p>
+            <a:endParaRPr lang="en-US" sz="3200" b="0" strike="noStrike" spc="-1">
               <a:latin typeface="Arial"/>
             </a:endParaRPr>
           </a:p>
@@ -1353,11 +1516,12 @@
           </a:prstGeom>
         </p:spPr>
         <p:txBody>
-          <a:bodyPr lIns="0" rIns="0" tIns="0" bIns="0">
+          <a:bodyPr lIns="0" tIns="0" rIns="0" bIns="0">
             <a:normAutofit/>
           </a:bodyPr>
-          <a:p>
-            <a:endParaRPr b="0" lang="en-US" sz="3200" spc="-1" strike="noStrike">
+          <a:lstStyle/>
+          <a:p>
+            <a:endParaRPr lang="en-US" sz="3200" b="0" strike="noStrike" spc="-1">
               <a:latin typeface="Arial"/>
             </a:endParaRPr>
           </a:p>
@@ -1365,12 +1529,20 @@
       </p:sp>
     </p:spTree>
   </p:cSld>
+  <p:clrMapOvr>
+    <a:masterClrMapping/>
+  </p:clrMapOvr>
 </p:sldLayout>
 </file>
 
 <file path=ppt/slideMasters/slideMaster1.xml><?xml version="1.0" encoding="utf-8"?>
-<p:sldMaster xmlns:a="http://schemas.openxmlformats.org/drawingml/2006/main" xmlns:p="http://schemas.openxmlformats.org/presentationml/2006/main" xmlns:r="http://schemas.openxmlformats.org/officeDocument/2006/relationships" xmlns:p14="http://schemas.microsoft.com/office/powerpoint/2010/main" xmlns:p15="http://schemas.microsoft.com/office/powerpoint/2012/main" xmlns:mc="http://schemas.openxmlformats.org/markup-compatibility/2006">
+<p:sldMaster xmlns:a="http://schemas.openxmlformats.org/drawingml/2006/main" xmlns:r="http://schemas.openxmlformats.org/officeDocument/2006/relationships" xmlns:p="http://schemas.openxmlformats.org/presentationml/2006/main">
   <p:cSld>
+    <p:bg>
+      <p:bgRef idx="1001">
+        <a:schemeClr val="bg1"/>
+      </p:bgRef>
+    </p:bg>
     <p:spTree>
       <p:nvGrpSpPr>
         <p:cNvPr id="1" name=""/>
@@ -1387,7 +1559,7 @@
       </p:grpSpPr>
       <p:sp>
         <p:nvSpPr>
-          <p:cNvPr id="0" name="PlaceHolder 1"/>
+          <p:cNvPr id="5" name="PlaceHolder 1"/>
           <p:cNvSpPr>
             <a:spLocks noGrp="1"/>
           </p:cNvSpPr>
@@ -1405,26 +1577,24 @@
           </a:prstGeom>
         </p:spPr>
         <p:txBody>
-          <a:bodyPr lIns="0" rIns="0" tIns="0" bIns="0" anchor="ctr">
+          <a:bodyPr lIns="0" tIns="0" rIns="0" bIns="0" anchor="ctr">
             <a:noAutofit/>
           </a:bodyPr>
+          <a:lstStyle/>
           <a:p>
             <a:pPr algn="ctr"/>
             <a:r>
-              <a:rPr b="0" lang="en-US" sz="4400" spc="-1" strike="noStrike">
+              <a:rPr lang="en-US" sz="4400" b="0" strike="noStrike" spc="-1">
                 <a:latin typeface="Arial"/>
               </a:rPr>
               <a:t>Click to edit the title text format</a:t>
             </a:r>
-            <a:endParaRPr b="0" lang="en-US" sz="4400" spc="-1" strike="noStrike">
-              <a:latin typeface="Arial"/>
-            </a:endParaRPr>
           </a:p>
         </p:txBody>
       </p:sp>
       <p:sp>
         <p:nvSpPr>
-          <p:cNvPr id="1" name="PlaceHolder 2"/>
+          <p:cNvPr id="6" name="PlaceHolder 2"/>
           <p:cNvSpPr>
             <a:spLocks noGrp="1"/>
           </p:cNvSpPr>
@@ -1442,9 +1612,10 @@
           </a:prstGeom>
         </p:spPr>
         <p:txBody>
-          <a:bodyPr lIns="0" rIns="0" tIns="0" bIns="0">
+          <a:bodyPr lIns="0" tIns="0" rIns="0" bIns="0">
             <a:normAutofit/>
           </a:bodyPr>
+          <a:lstStyle/>
           <a:p>
             <a:pPr marL="432000" indent="-324000">
               <a:spcBef>
@@ -1458,17 +1629,14 @@
               <a:buChar char=""/>
             </a:pPr>
             <a:r>
-              <a:rPr b="0" lang="en-US" sz="3200" spc="-1" strike="noStrike">
+              <a:rPr lang="en-US" sz="3200" b="0" strike="noStrike" spc="-1">
                 <a:latin typeface="Arial"/>
               </a:rPr>
               <a:t>Click to edit the outline text format</a:t>
             </a:r>
-            <a:endParaRPr b="0" lang="en-US" sz="3200" spc="-1" strike="noStrike">
-              <a:latin typeface="Arial"/>
-            </a:endParaRPr>
-          </a:p>
-          <a:p>
-            <a:pPr lvl="1" marL="864000" indent="-324000">
+          </a:p>
+          <a:p>
+            <a:pPr marL="864000" lvl="1" indent="-324000">
               <a:spcBef>
                 <a:spcPts val="1134"/>
               </a:spcBef>
@@ -1480,17 +1648,14 @@
               <a:buChar char=""/>
             </a:pPr>
             <a:r>
-              <a:rPr b="0" lang="en-US" sz="2800" spc="-1" strike="noStrike">
+              <a:rPr lang="en-US" sz="2800" b="0" strike="noStrike" spc="-1">
                 <a:latin typeface="Arial"/>
               </a:rPr>
               <a:t>Second Outline Level</a:t>
             </a:r>
-            <a:endParaRPr b="0" lang="en-US" sz="2800" spc="-1" strike="noStrike">
-              <a:latin typeface="Arial"/>
-            </a:endParaRPr>
-          </a:p>
-          <a:p>
-            <a:pPr lvl="2" marL="1296000" indent="-288000">
+          </a:p>
+          <a:p>
+            <a:pPr marL="1296000" lvl="2" indent="-288000">
               <a:spcBef>
                 <a:spcPts val="850"/>
               </a:spcBef>
@@ -1502,17 +1667,14 @@
               <a:buChar char=""/>
             </a:pPr>
             <a:r>
-              <a:rPr b="0" lang="en-US" sz="2400" spc="-1" strike="noStrike">
+              <a:rPr lang="en-US" sz="2400" b="0" strike="noStrike" spc="-1">
                 <a:latin typeface="Arial"/>
               </a:rPr>
               <a:t>Third Outline Level</a:t>
             </a:r>
-            <a:endParaRPr b="0" lang="en-US" sz="2400" spc="-1" strike="noStrike">
-              <a:latin typeface="Arial"/>
-            </a:endParaRPr>
-          </a:p>
-          <a:p>
-            <a:pPr lvl="3" marL="1728000" indent="-216000">
+          </a:p>
+          <a:p>
+            <a:pPr marL="1728000" lvl="3" indent="-216000">
               <a:spcBef>
                 <a:spcPts val="567"/>
               </a:spcBef>
@@ -1524,17 +1686,14 @@
               <a:buChar char=""/>
             </a:pPr>
             <a:r>
-              <a:rPr b="0" lang="en-US" sz="2000" spc="-1" strike="noStrike">
+              <a:rPr lang="en-US" sz="2000" b="0" strike="noStrike" spc="-1">
                 <a:latin typeface="Arial"/>
               </a:rPr>
               <a:t>Fourth Outline Level</a:t>
             </a:r>
-            <a:endParaRPr b="0" lang="en-US" sz="2000" spc="-1" strike="noStrike">
-              <a:latin typeface="Arial"/>
-            </a:endParaRPr>
-          </a:p>
-          <a:p>
-            <a:pPr lvl="4" marL="2160000" indent="-216000">
+          </a:p>
+          <a:p>
+            <a:pPr marL="2160000" lvl="4" indent="-216000">
               <a:spcBef>
                 <a:spcPts val="283"/>
               </a:spcBef>
@@ -1546,17 +1705,14 @@
               <a:buChar char=""/>
             </a:pPr>
             <a:r>
-              <a:rPr b="0" lang="en-US" sz="2000" spc="-1" strike="noStrike">
+              <a:rPr lang="en-US" sz="2000" b="0" strike="noStrike" spc="-1">
                 <a:latin typeface="Arial"/>
               </a:rPr>
               <a:t>Fifth Outline Level</a:t>
             </a:r>
-            <a:endParaRPr b="0" lang="en-US" sz="2000" spc="-1" strike="noStrike">
-              <a:latin typeface="Arial"/>
-            </a:endParaRPr>
-          </a:p>
-          <a:p>
-            <a:pPr lvl="5" marL="2592000" indent="-216000">
+          </a:p>
+          <a:p>
+            <a:pPr marL="2592000" lvl="5" indent="-216000">
               <a:spcBef>
                 <a:spcPts val="283"/>
               </a:spcBef>
@@ -1568,17 +1724,14 @@
               <a:buChar char=""/>
             </a:pPr>
             <a:r>
-              <a:rPr b="0" lang="en-US" sz="2000" spc="-1" strike="noStrike">
+              <a:rPr lang="en-US" sz="2000" b="0" strike="noStrike" spc="-1">
                 <a:latin typeface="Arial"/>
               </a:rPr>
               <a:t>Sixth Outline Level</a:t>
             </a:r>
-            <a:endParaRPr b="0" lang="en-US" sz="2000" spc="-1" strike="noStrike">
-              <a:latin typeface="Arial"/>
-            </a:endParaRPr>
-          </a:p>
-          <a:p>
-            <a:pPr lvl="6" marL="3024000" indent="-216000">
+          </a:p>
+          <a:p>
+            <a:pPr marL="3024000" lvl="6" indent="-216000">
               <a:spcBef>
                 <a:spcPts val="283"/>
               </a:spcBef>
@@ -1590,14 +1743,11 @@
               <a:buChar char=""/>
             </a:pPr>
             <a:r>
-              <a:rPr b="0" lang="en-US" sz="2000" spc="-1" strike="noStrike">
+              <a:rPr lang="en-US" sz="2000" b="0" strike="noStrike" spc="-1">
                 <a:latin typeface="Arial"/>
               </a:rPr>
               <a:t>Seventh Outline Level</a:t>
             </a:r>
-            <a:endParaRPr b="0" lang="en-US" sz="2000" spc="-1" strike="noStrike">
-              <a:latin typeface="Arial"/>
-            </a:endParaRPr>
           </a:p>
         </p:txBody>
       </p:sp>
@@ -1621,19 +1771,17 @@
           </a:prstGeom>
         </p:spPr>
         <p:txBody>
-          <a:bodyPr lIns="0" rIns="0" tIns="0" bIns="0">
+          <a:bodyPr lIns="0" tIns="0" rIns="0" bIns="0">
             <a:noAutofit/>
           </a:bodyPr>
+          <a:lstStyle/>
           <a:p>
             <a:r>
-              <a:rPr b="0" lang="en-US" sz="1400" spc="-1" strike="noStrike">
+              <a:rPr lang="en-US" sz="1400" b="0" strike="noStrike" spc="-1">
                 <a:latin typeface="Times New Roman"/>
               </a:rPr>
               <a:t>&lt;date/time&gt;</a:t>
             </a:r>
-            <a:endParaRPr b="0" lang="en-US" sz="1400" spc="-1" strike="noStrike">
-              <a:latin typeface="Times New Roman"/>
-            </a:endParaRPr>
           </a:p>
         </p:txBody>
       </p:sp>
@@ -1657,20 +1805,18 @@
           </a:prstGeom>
         </p:spPr>
         <p:txBody>
-          <a:bodyPr lIns="0" rIns="0" tIns="0" bIns="0">
+          <a:bodyPr lIns="0" tIns="0" rIns="0" bIns="0">
             <a:noAutofit/>
           </a:bodyPr>
+          <a:lstStyle/>
           <a:p>
             <a:pPr algn="ctr"/>
             <a:r>
-              <a:rPr b="0" lang="en-US" sz="1400" spc="-1" strike="noStrike">
+              <a:rPr lang="en-US" sz="1400" b="0" strike="noStrike" spc="-1">
                 <a:latin typeface="Times New Roman"/>
               </a:rPr>
               <a:t>&lt;footer&gt;</a:t>
             </a:r>
-            <a:endParaRPr b="0" lang="en-US" sz="1400" spc="-1" strike="noStrike">
-              <a:latin typeface="Times New Roman"/>
-            </a:endParaRPr>
           </a:p>
         </p:txBody>
       </p:sp>
@@ -1694,18 +1840,19 @@
           </a:prstGeom>
         </p:spPr>
         <p:txBody>
-          <a:bodyPr lIns="0" rIns="0" tIns="0" bIns="0">
+          <a:bodyPr lIns="0" tIns="0" rIns="0" bIns="0">
             <a:noAutofit/>
           </a:bodyPr>
+          <a:lstStyle/>
           <a:p>
             <a:pPr algn="r"/>
             <a:fld id="{F4114ABD-976E-45D7-8143-176B797B1713}" type="slidenum">
-              <a:rPr b="0" lang="en-US" sz="1400" spc="-1" strike="noStrike">
+              <a:rPr lang="en-US" sz="1400" b="0" strike="noStrike" spc="-1">
                 <a:latin typeface="Times New Roman"/>
               </a:rPr>
-              <a:t>&lt;number&gt;</a:t>
+              <a:t>‹#›</a:t>
             </a:fld>
-            <a:endParaRPr b="0" lang="en-US" sz="1400" spc="-1" strike="noStrike">
+            <a:endParaRPr lang="en-US" sz="1400" b="0" strike="noStrike" spc="-1">
               <a:latin typeface="Times New Roman"/>
             </a:endParaRPr>
           </a:p>
@@ -1713,26 +1860,306 @@
       </p:sp>
     </p:spTree>
   </p:cSld>
-  <p:clrMap bg1="lt1" bg2="lt2" tx1="dk1" tx2="dk2" accent1="accent1" accent2="accent2" accent3="accent3" accent4="accent4" accent5="accent5" accent6="accent6" hlink="hlink" folHlink="folHlink"/>
+  <p:clrMap bg1="lt1" tx1="dk1" bg2="lt2" tx2="dk2" accent1="accent1" accent2="accent2" accent3="accent3" accent4="accent4" accent5="accent5" accent6="accent6" hlink="hlink" folHlink="folHlink"/>
   <p:sldLayoutIdLst>
-    <p:sldLayoutId id="2147483649" r:id="rId2"/>
-    <p:sldLayoutId id="2147483650" r:id="rId3"/>
-    <p:sldLayoutId id="2147483651" r:id="rId4"/>
-    <p:sldLayoutId id="2147483652" r:id="rId5"/>
-    <p:sldLayoutId id="2147483653" r:id="rId6"/>
-    <p:sldLayoutId id="2147483654" r:id="rId7"/>
-    <p:sldLayoutId id="2147483655" r:id="rId8"/>
-    <p:sldLayoutId id="2147483656" r:id="rId9"/>
-    <p:sldLayoutId id="2147483657" r:id="rId10"/>
-    <p:sldLayoutId id="2147483658" r:id="rId11"/>
-    <p:sldLayoutId id="2147483659" r:id="rId12"/>
-    <p:sldLayoutId id="2147483660" r:id="rId13"/>
+    <p:sldLayoutId id="2147483649" r:id="rId1"/>
+    <p:sldLayoutId id="2147483650" r:id="rId2"/>
+    <p:sldLayoutId id="2147483651" r:id="rId3"/>
+    <p:sldLayoutId id="2147483652" r:id="rId4"/>
+    <p:sldLayoutId id="2147483653" r:id="rId5"/>
+    <p:sldLayoutId id="2147483654" r:id="rId6"/>
+    <p:sldLayoutId id="2147483655" r:id="rId7"/>
+    <p:sldLayoutId id="2147483656" r:id="rId8"/>
+    <p:sldLayoutId id="2147483657" r:id="rId9"/>
+    <p:sldLayoutId id="2147483658" r:id="rId10"/>
+    <p:sldLayoutId id="2147483659" r:id="rId11"/>
+    <p:sldLayoutId id="2147483660" r:id="rId12"/>
   </p:sldLayoutIdLst>
+  <p:txStyles>
+    <p:titleStyle>
+      <a:lvl1pPr algn="l" defTabSz="914400" rtl="0" eaLnBrk="1" latinLnBrk="1" hangingPunct="1">
+        <a:lnSpc>
+          <a:spcPct val="90000"/>
+        </a:lnSpc>
+        <a:spcBef>
+          <a:spcPct val="0"/>
+        </a:spcBef>
+        <a:buNone/>
+        <a:defRPr sz="4400" kern="1200">
+          <a:solidFill>
+            <a:schemeClr val="tx1"/>
+          </a:solidFill>
+          <a:latin typeface="+mj-lt"/>
+          <a:ea typeface="+mj-ea"/>
+          <a:cs typeface="+mj-cs"/>
+        </a:defRPr>
+      </a:lvl1pPr>
+    </p:titleStyle>
+    <p:bodyStyle>
+      <a:lvl1pPr marL="228600" indent="-228600" algn="l" defTabSz="914400" rtl="0" eaLnBrk="1" latinLnBrk="1" hangingPunct="1">
+        <a:lnSpc>
+          <a:spcPct val="90000"/>
+        </a:lnSpc>
+        <a:spcBef>
+          <a:spcPts val="1000"/>
+        </a:spcBef>
+        <a:buFont typeface="Arial" panose="020B0604020202020204" pitchFamily="34" charset="0"/>
+        <a:buChar char="•"/>
+        <a:defRPr sz="2800" kern="1200">
+          <a:solidFill>
+            <a:schemeClr val="tx1"/>
+          </a:solidFill>
+          <a:latin typeface="+mn-lt"/>
+          <a:ea typeface="+mn-ea"/>
+          <a:cs typeface="+mn-cs"/>
+        </a:defRPr>
+      </a:lvl1pPr>
+      <a:lvl2pPr marL="685800" indent="-228600" algn="l" defTabSz="914400" rtl="0" eaLnBrk="1" latinLnBrk="1" hangingPunct="1">
+        <a:lnSpc>
+          <a:spcPct val="90000"/>
+        </a:lnSpc>
+        <a:spcBef>
+          <a:spcPts val="500"/>
+        </a:spcBef>
+        <a:buFont typeface="Arial" panose="020B0604020202020204" pitchFamily="34" charset="0"/>
+        <a:buChar char="•"/>
+        <a:defRPr sz="2400" kern="1200">
+          <a:solidFill>
+            <a:schemeClr val="tx1"/>
+          </a:solidFill>
+          <a:latin typeface="+mn-lt"/>
+          <a:ea typeface="+mn-ea"/>
+          <a:cs typeface="+mn-cs"/>
+        </a:defRPr>
+      </a:lvl2pPr>
+      <a:lvl3pPr marL="1143000" indent="-228600" algn="l" defTabSz="914400" rtl="0" eaLnBrk="1" latinLnBrk="1" hangingPunct="1">
+        <a:lnSpc>
+          <a:spcPct val="90000"/>
+        </a:lnSpc>
+        <a:spcBef>
+          <a:spcPts val="500"/>
+        </a:spcBef>
+        <a:buFont typeface="Arial" panose="020B0604020202020204" pitchFamily="34" charset="0"/>
+        <a:buChar char="•"/>
+        <a:defRPr sz="2000" kern="1200">
+          <a:solidFill>
+            <a:schemeClr val="tx1"/>
+          </a:solidFill>
+          <a:latin typeface="+mn-lt"/>
+          <a:ea typeface="+mn-ea"/>
+          <a:cs typeface="+mn-cs"/>
+        </a:defRPr>
+      </a:lvl3pPr>
+      <a:lvl4pPr marL="1600200" indent="-228600" algn="l" defTabSz="914400" rtl="0" eaLnBrk="1" latinLnBrk="1" hangingPunct="1">
+        <a:lnSpc>
+          <a:spcPct val="90000"/>
+        </a:lnSpc>
+        <a:spcBef>
+          <a:spcPts val="500"/>
+        </a:spcBef>
+        <a:buFont typeface="Arial" panose="020B0604020202020204" pitchFamily="34" charset="0"/>
+        <a:buChar char="•"/>
+        <a:defRPr sz="1800" kern="1200">
+          <a:solidFill>
+            <a:schemeClr val="tx1"/>
+          </a:solidFill>
+          <a:latin typeface="+mn-lt"/>
+          <a:ea typeface="+mn-ea"/>
+          <a:cs typeface="+mn-cs"/>
+        </a:defRPr>
+      </a:lvl4pPr>
+      <a:lvl5pPr marL="2057400" indent="-228600" algn="l" defTabSz="914400" rtl="0" eaLnBrk="1" latinLnBrk="1" hangingPunct="1">
+        <a:lnSpc>
+          <a:spcPct val="90000"/>
+        </a:lnSpc>
+        <a:spcBef>
+          <a:spcPts val="500"/>
+        </a:spcBef>
+        <a:buFont typeface="Arial" panose="020B0604020202020204" pitchFamily="34" charset="0"/>
+        <a:buChar char="•"/>
+        <a:defRPr sz="1800" kern="1200">
+          <a:solidFill>
+            <a:schemeClr val="tx1"/>
+          </a:solidFill>
+          <a:latin typeface="+mn-lt"/>
+          <a:ea typeface="+mn-ea"/>
+          <a:cs typeface="+mn-cs"/>
+        </a:defRPr>
+      </a:lvl5pPr>
+      <a:lvl6pPr marL="2514600" indent="-228600" algn="l" defTabSz="914400" rtl="0" eaLnBrk="1" latinLnBrk="1" hangingPunct="1">
+        <a:lnSpc>
+          <a:spcPct val="90000"/>
+        </a:lnSpc>
+        <a:spcBef>
+          <a:spcPts val="500"/>
+        </a:spcBef>
+        <a:buFont typeface="Arial" panose="020B0604020202020204" pitchFamily="34" charset="0"/>
+        <a:buChar char="•"/>
+        <a:defRPr sz="1800" kern="1200">
+          <a:solidFill>
+            <a:schemeClr val="tx1"/>
+          </a:solidFill>
+          <a:latin typeface="+mn-lt"/>
+          <a:ea typeface="+mn-ea"/>
+          <a:cs typeface="+mn-cs"/>
+        </a:defRPr>
+      </a:lvl6pPr>
+      <a:lvl7pPr marL="2971800" indent="-228600" algn="l" defTabSz="914400" rtl="0" eaLnBrk="1" latinLnBrk="1" hangingPunct="1">
+        <a:lnSpc>
+          <a:spcPct val="90000"/>
+        </a:lnSpc>
+        <a:spcBef>
+          <a:spcPts val="500"/>
+        </a:spcBef>
+        <a:buFont typeface="Arial" panose="020B0604020202020204" pitchFamily="34" charset="0"/>
+        <a:buChar char="•"/>
+        <a:defRPr sz="1800" kern="1200">
+          <a:solidFill>
+            <a:schemeClr val="tx1"/>
+          </a:solidFill>
+          <a:latin typeface="+mn-lt"/>
+          <a:ea typeface="+mn-ea"/>
+          <a:cs typeface="+mn-cs"/>
+        </a:defRPr>
+      </a:lvl7pPr>
+      <a:lvl8pPr marL="3429000" indent="-228600" algn="l" defTabSz="914400" rtl="0" eaLnBrk="1" latinLnBrk="1" hangingPunct="1">
+        <a:lnSpc>
+          <a:spcPct val="90000"/>
+        </a:lnSpc>
+        <a:spcBef>
+          <a:spcPts val="500"/>
+        </a:spcBef>
+        <a:buFont typeface="Arial" panose="020B0604020202020204" pitchFamily="34" charset="0"/>
+        <a:buChar char="•"/>
+        <a:defRPr sz="1800" kern="1200">
+          <a:solidFill>
+            <a:schemeClr val="tx1"/>
+          </a:solidFill>
+          <a:latin typeface="+mn-lt"/>
+          <a:ea typeface="+mn-ea"/>
+          <a:cs typeface="+mn-cs"/>
+        </a:defRPr>
+      </a:lvl8pPr>
+      <a:lvl9pPr marL="3886200" indent="-228600" algn="l" defTabSz="914400" rtl="0" eaLnBrk="1" latinLnBrk="1" hangingPunct="1">
+        <a:lnSpc>
+          <a:spcPct val="90000"/>
+        </a:lnSpc>
+        <a:spcBef>
+          <a:spcPts val="500"/>
+        </a:spcBef>
+        <a:buFont typeface="Arial" panose="020B0604020202020204" pitchFamily="34" charset="0"/>
+        <a:buChar char="•"/>
+        <a:defRPr sz="1800" kern="1200">
+          <a:solidFill>
+            <a:schemeClr val="tx1"/>
+          </a:solidFill>
+          <a:latin typeface="+mn-lt"/>
+          <a:ea typeface="+mn-ea"/>
+          <a:cs typeface="+mn-cs"/>
+        </a:defRPr>
+      </a:lvl9pPr>
+    </p:bodyStyle>
+    <p:otherStyle>
+      <a:defPPr>
+        <a:defRPr lang="ko-KR"/>
+      </a:defPPr>
+      <a:lvl1pPr marL="0" algn="l" defTabSz="914400" rtl="0" eaLnBrk="1" latinLnBrk="1" hangingPunct="1">
+        <a:defRPr sz="1800" kern="1200">
+          <a:solidFill>
+            <a:schemeClr val="tx1"/>
+          </a:solidFill>
+          <a:latin typeface="+mn-lt"/>
+          <a:ea typeface="+mn-ea"/>
+          <a:cs typeface="+mn-cs"/>
+        </a:defRPr>
+      </a:lvl1pPr>
+      <a:lvl2pPr marL="457200" algn="l" defTabSz="914400" rtl="0" eaLnBrk="1" latinLnBrk="1" hangingPunct="1">
+        <a:defRPr sz="1800" kern="1200">
+          <a:solidFill>
+            <a:schemeClr val="tx1"/>
+          </a:solidFill>
+          <a:latin typeface="+mn-lt"/>
+          <a:ea typeface="+mn-ea"/>
+          <a:cs typeface="+mn-cs"/>
+        </a:defRPr>
+      </a:lvl2pPr>
+      <a:lvl3pPr marL="914400" algn="l" defTabSz="914400" rtl="0" eaLnBrk="1" latinLnBrk="1" hangingPunct="1">
+        <a:defRPr sz="1800" kern="1200">
+          <a:solidFill>
+            <a:schemeClr val="tx1"/>
+          </a:solidFill>
+          <a:latin typeface="+mn-lt"/>
+          <a:ea typeface="+mn-ea"/>
+          <a:cs typeface="+mn-cs"/>
+        </a:defRPr>
+      </a:lvl3pPr>
+      <a:lvl4pPr marL="1371600" algn="l" defTabSz="914400" rtl="0" eaLnBrk="1" latinLnBrk="1" hangingPunct="1">
+        <a:defRPr sz="1800" kern="1200">
+          <a:solidFill>
+            <a:schemeClr val="tx1"/>
+          </a:solidFill>
+          <a:latin typeface="+mn-lt"/>
+          <a:ea typeface="+mn-ea"/>
+          <a:cs typeface="+mn-cs"/>
+        </a:defRPr>
+      </a:lvl4pPr>
+      <a:lvl5pPr marL="1828800" algn="l" defTabSz="914400" rtl="0" eaLnBrk="1" latinLnBrk="1" hangingPunct="1">
+        <a:defRPr sz="1800" kern="1200">
+          <a:solidFill>
+            <a:schemeClr val="tx1"/>
+          </a:solidFill>
+          <a:latin typeface="+mn-lt"/>
+          <a:ea typeface="+mn-ea"/>
+          <a:cs typeface="+mn-cs"/>
+        </a:defRPr>
+      </a:lvl5pPr>
+      <a:lvl6pPr marL="2286000" algn="l" defTabSz="914400" rtl="0" eaLnBrk="1" latinLnBrk="1" hangingPunct="1">
+        <a:defRPr sz="1800" kern="1200">
+          <a:solidFill>
+            <a:schemeClr val="tx1"/>
+          </a:solidFill>
+          <a:latin typeface="+mn-lt"/>
+          <a:ea typeface="+mn-ea"/>
+          <a:cs typeface="+mn-cs"/>
+        </a:defRPr>
+      </a:lvl6pPr>
+      <a:lvl7pPr marL="2743200" algn="l" defTabSz="914400" rtl="0" eaLnBrk="1" latinLnBrk="1" hangingPunct="1">
+        <a:defRPr sz="1800" kern="1200">
+          <a:solidFill>
+            <a:schemeClr val="tx1"/>
+          </a:solidFill>
+          <a:latin typeface="+mn-lt"/>
+          <a:ea typeface="+mn-ea"/>
+          <a:cs typeface="+mn-cs"/>
+        </a:defRPr>
+      </a:lvl7pPr>
+      <a:lvl8pPr marL="3200400" algn="l" defTabSz="914400" rtl="0" eaLnBrk="1" latinLnBrk="1" hangingPunct="1">
+        <a:defRPr sz="1800" kern="1200">
+          <a:solidFill>
+            <a:schemeClr val="tx1"/>
+          </a:solidFill>
+          <a:latin typeface="+mn-lt"/>
+          <a:ea typeface="+mn-ea"/>
+          <a:cs typeface="+mn-cs"/>
+        </a:defRPr>
+      </a:lvl8pPr>
+      <a:lvl9pPr marL="3657600" algn="l" defTabSz="914400" rtl="0" eaLnBrk="1" latinLnBrk="1" hangingPunct="1">
+        <a:defRPr sz="1800" kern="1200">
+          <a:solidFill>
+            <a:schemeClr val="tx1"/>
+          </a:solidFill>
+          <a:latin typeface="+mn-lt"/>
+          <a:ea typeface="+mn-ea"/>
+          <a:cs typeface="+mn-cs"/>
+        </a:defRPr>
+      </a:lvl9pPr>
+    </p:otherStyle>
+  </p:txStyles>
 </p:sldMaster>
 </file>
 
 <file path=ppt/slides/slide1.xml><?xml version="1.0" encoding="utf-8"?>
-<p:sld xmlns:a="http://schemas.openxmlformats.org/drawingml/2006/main" xmlns:p="http://schemas.openxmlformats.org/presentationml/2006/main" xmlns:r="http://schemas.openxmlformats.org/officeDocument/2006/relationships" xmlns:p14="http://schemas.microsoft.com/office/powerpoint/2010/main" xmlns:p15="http://schemas.microsoft.com/office/powerpoint/2012/main" xmlns:mc="http://schemas.openxmlformats.org/markup-compatibility/2006">
+<p:sld xmlns:a="http://schemas.openxmlformats.org/drawingml/2006/main" xmlns:r="http://schemas.openxmlformats.org/officeDocument/2006/relationships" xmlns:p="http://schemas.openxmlformats.org/presentationml/2006/main">
   <p:cSld>
     <p:spTree>
       <p:nvGrpSpPr>
@@ -1752,485 +2179,526 @@
         <p:nvGraphicFramePr>
           <p:cNvPr id="41" name="Table 1"/>
           <p:cNvGraphicFramePr/>
-          <p:nvPr/>
+          <p:nvPr>
+            <p:extLst>
+              <p:ext uri="{D42A27DB-BD31-4B8C-83A1-F6EECF244321}">
+                <p14:modId xmlns:p14="http://schemas.microsoft.com/office/powerpoint/2010/main" val="3921904396"/>
+              </p:ext>
+            </p:extLst>
+          </p:nvPr>
         </p:nvGraphicFramePr>
         <p:xfrm>
           <a:off x="5333760" y="1786680"/>
-          <a:ext cx="4541760" cy="1399320"/>
+          <a:ext cx="4542120" cy="1463040"/>
         </p:xfrm>
         <a:graphic>
           <a:graphicData uri="http://schemas.openxmlformats.org/drawingml/2006/table">
             <a:tbl>
               <a:tblPr/>
               <a:tblGrid>
-                <a:gridCol w="1010880"/>
-                <a:gridCol w="750960"/>
-                <a:gridCol w="763200"/>
-                <a:gridCol w="1006200"/>
-                <a:gridCol w="1010880"/>
+                <a:gridCol w="1010880">
+                  <a:extLst>
+                    <a:ext uri="{9D8B030D-6E8A-4147-A177-3AD203B41FA5}">
+                      <a16:colId xmlns:a16="http://schemas.microsoft.com/office/drawing/2014/main" val="20000"/>
+                    </a:ext>
+                  </a:extLst>
+                </a:gridCol>
+                <a:gridCol w="750960">
+                  <a:extLst>
+                    <a:ext uri="{9D8B030D-6E8A-4147-A177-3AD203B41FA5}">
+                      <a16:colId xmlns:a16="http://schemas.microsoft.com/office/drawing/2014/main" val="20001"/>
+                    </a:ext>
+                  </a:extLst>
+                </a:gridCol>
+                <a:gridCol w="763200">
+                  <a:extLst>
+                    <a:ext uri="{9D8B030D-6E8A-4147-A177-3AD203B41FA5}">
+                      <a16:colId xmlns:a16="http://schemas.microsoft.com/office/drawing/2014/main" val="20002"/>
+                    </a:ext>
+                  </a:extLst>
+                </a:gridCol>
+                <a:gridCol w="1006200">
+                  <a:extLst>
+                    <a:ext uri="{9D8B030D-6E8A-4147-A177-3AD203B41FA5}">
+                      <a16:colId xmlns:a16="http://schemas.microsoft.com/office/drawing/2014/main" val="20003"/>
+                    </a:ext>
+                  </a:extLst>
+                </a:gridCol>
+                <a:gridCol w="1010880">
+                  <a:extLst>
+                    <a:ext uri="{9D8B030D-6E8A-4147-A177-3AD203B41FA5}">
+                      <a16:colId xmlns:a16="http://schemas.microsoft.com/office/drawing/2014/main" val="20004"/>
+                    </a:ext>
+                  </a:extLst>
+                </a:gridCol>
               </a:tblGrid>
               <a:tr h="349920">
                 <a:tc>
+                  <a:txBody>
+                    <a:bodyPr/>
+                    <a:lstStyle/>
+                    <a:p>
+                      <a:endParaRPr lang="ko-KR"/>
+                    </a:p>
+                  </a:txBody>
                   <a:tcPr marL="90000" marR="90000">
                     <a:lnL w="720">
                       <a:solidFill>
-                        <a:srgbClr val="ffffff"/>
+                        <a:srgbClr val="FFFFFF"/>
                       </a:solidFill>
                     </a:lnL>
                     <a:lnR w="720">
                       <a:solidFill>
-                        <a:srgbClr val="ffffff"/>
+                        <a:srgbClr val="FFFFFF"/>
                       </a:solidFill>
                     </a:lnR>
                     <a:lnT w="720">
                       <a:solidFill>
-                        <a:srgbClr val="ffffff"/>
+                        <a:srgbClr val="FFFFFF"/>
                       </a:solidFill>
                     </a:lnT>
                     <a:lnB w="720">
                       <a:solidFill>
-                        <a:srgbClr val="ffffff"/>
+                        <a:srgbClr val="FFFFFF"/>
                       </a:solidFill>
                     </a:lnB>
                     <a:solidFill>
-                      <a:srgbClr val="b3b3b3"/>
+                      <a:srgbClr val="B3B3B3"/>
                     </a:solidFill>
                   </a:tcPr>
                 </a:tc>
                 <a:tc gridSpan="2">
                   <a:txBody>
-                    <a:bodyPr lIns="90000" rIns="90000" tIns="46800" bIns="46800">
-                      <a:noAutofit/>
-                    </a:bodyPr>
+                    <a:bodyPr/>
+                    <a:lstStyle/>
                     <a:p>
                       <a:r>
-                        <a:rPr b="0" lang="en-US" sz="1800" spc="-1" strike="noStrike">
+                        <a:rPr lang="en-US" sz="1800" b="0" strike="noStrike" spc="-1">
                           <a:latin typeface="Arial"/>
                         </a:rPr>
                         <a:t>ETH</a:t>
                       </a:r>
-                      <a:endParaRPr b="0" lang="en-US" sz="1800" spc="-1" strike="noStrike">
-                        <a:latin typeface="Arial"/>
-                      </a:endParaRPr>
                     </a:p>
                   </a:txBody>
                   <a:tcPr marL="90000" marR="90000">
                     <a:lnL w="720">
                       <a:solidFill>
-                        <a:srgbClr val="ffffff"/>
+                        <a:srgbClr val="FFFFFF"/>
                       </a:solidFill>
                     </a:lnL>
                     <a:lnR w="720">
                       <a:solidFill>
-                        <a:srgbClr val="ffffff"/>
+                        <a:srgbClr val="FFFFFF"/>
                       </a:solidFill>
                     </a:lnR>
                     <a:lnT w="720">
                       <a:solidFill>
-                        <a:srgbClr val="ffffff"/>
+                        <a:srgbClr val="FFFFFF"/>
                       </a:solidFill>
                     </a:lnT>
                     <a:lnB w="720">
                       <a:solidFill>
-                        <a:srgbClr val="ffffff"/>
+                        <a:srgbClr val="FFFFFF"/>
                       </a:solidFill>
                     </a:lnB>
                     <a:solidFill>
-                      <a:srgbClr val="b3b3b3"/>
+                      <a:srgbClr val="B3B3B3"/>
                     </a:solidFill>
                   </a:tcPr>
                 </a:tc>
                 <a:tc hMerge="1">
+                  <a:txBody>
+                    <a:bodyPr/>
+                    <a:lstStyle/>
+                    <a:p>
+                      <a:endParaRPr lang="ko-KR"/>
+                    </a:p>
+                  </a:txBody>
                   <a:tcPr marL="90000" marR="90000">
                     <a:lnL w="720">
                       <a:solidFill>
-                        <a:srgbClr val="ffffff"/>
+                        <a:srgbClr val="FFFFFF"/>
                       </a:solidFill>
                     </a:lnL>
                     <a:lnR w="720">
                       <a:solidFill>
-                        <a:srgbClr val="ffffff"/>
+                        <a:srgbClr val="FFFFFF"/>
                       </a:solidFill>
                     </a:lnR>
                     <a:lnT w="720">
                       <a:solidFill>
-                        <a:srgbClr val="ffffff"/>
+                        <a:srgbClr val="FFFFFF"/>
                       </a:solidFill>
                     </a:lnT>
                     <a:lnB w="720">
                       <a:solidFill>
-                        <a:srgbClr val="ffffff"/>
+                        <a:srgbClr val="FFFFFF"/>
                       </a:solidFill>
                     </a:lnB>
                     <a:solidFill>
-                      <a:srgbClr val="b3b3b3"/>
+                      <a:srgbClr val="B3B3B3"/>
                     </a:solidFill>
                   </a:tcPr>
                 </a:tc>
                 <a:tc gridSpan="2">
                   <a:txBody>
-                    <a:bodyPr lIns="90000" rIns="90000" tIns="46800" bIns="46800">
-                      <a:noAutofit/>
-                    </a:bodyPr>
+                    <a:bodyPr/>
+                    <a:lstStyle/>
                     <a:p>
                       <a:r>
-                        <a:rPr b="0" lang="en-US" sz="1800" spc="-1" strike="noStrike">
+                        <a:rPr lang="en-US" sz="1800" b="0" strike="noStrike" spc="-1">
                           <a:latin typeface="Arial"/>
                         </a:rPr>
                         <a:t>IP</a:t>
                       </a:r>
-                      <a:endParaRPr b="0" lang="en-US" sz="1800" spc="-1" strike="noStrike">
-                        <a:latin typeface="Arial"/>
-                      </a:endParaRPr>
                     </a:p>
                   </a:txBody>
                   <a:tcPr marL="90000" marR="90000">
                     <a:lnL w="720">
                       <a:solidFill>
-                        <a:srgbClr val="ffffff"/>
+                        <a:srgbClr val="FFFFFF"/>
                       </a:solidFill>
                     </a:lnL>
                     <a:lnR w="720">
                       <a:solidFill>
-                        <a:srgbClr val="ffffff"/>
+                        <a:srgbClr val="FFFFFF"/>
                       </a:solidFill>
                     </a:lnR>
                     <a:lnT w="720">
                       <a:solidFill>
-                        <a:srgbClr val="ffffff"/>
+                        <a:srgbClr val="FFFFFF"/>
                       </a:solidFill>
                     </a:lnT>
                     <a:lnB w="720">
                       <a:solidFill>
-                        <a:srgbClr val="ffffff"/>
+                        <a:srgbClr val="FFFFFF"/>
                       </a:solidFill>
                     </a:lnB>
                     <a:solidFill>
-                      <a:srgbClr val="b3b3b3"/>
+                      <a:srgbClr val="B3B3B3"/>
                     </a:solidFill>
                   </a:tcPr>
                 </a:tc>
                 <a:tc hMerge="1">
+                  <a:txBody>
+                    <a:bodyPr/>
+                    <a:lstStyle/>
+                    <a:p>
+                      <a:endParaRPr lang="ko-KR"/>
+                    </a:p>
+                  </a:txBody>
                   <a:tcPr marL="90000" marR="90000">
                     <a:lnL w="720">
                       <a:solidFill>
-                        <a:srgbClr val="ffffff"/>
+                        <a:srgbClr val="FFFFFF"/>
                       </a:solidFill>
                     </a:lnL>
                     <a:lnR w="720">
                       <a:solidFill>
-                        <a:srgbClr val="ffffff"/>
+                        <a:srgbClr val="FFFFFF"/>
                       </a:solidFill>
                     </a:lnR>
                     <a:lnT w="720">
                       <a:solidFill>
-                        <a:srgbClr val="ffffff"/>
+                        <a:srgbClr val="FFFFFF"/>
                       </a:solidFill>
                     </a:lnT>
                     <a:lnB w="720">
                       <a:solidFill>
-                        <a:srgbClr val="ffffff"/>
+                        <a:srgbClr val="FFFFFF"/>
                       </a:solidFill>
                     </a:lnB>
                     <a:solidFill>
-                      <a:srgbClr val="b3b3b3"/>
+                      <a:srgbClr val="B3B3B3"/>
                     </a:solidFill>
                   </a:tcPr>
                 </a:tc>
+                <a:extLst>
+                  <a:ext uri="{0D108BD9-81ED-4DB2-BD59-A6C34878D82A}">
+                    <a16:rowId xmlns:a16="http://schemas.microsoft.com/office/drawing/2014/main" val="10000"/>
+                  </a:ext>
+                </a:extLst>
               </a:tr>
               <a:tr h="349920">
                 <a:tc>
+                  <a:txBody>
+                    <a:bodyPr/>
+                    <a:lstStyle/>
+                    <a:p>
+                      <a:endParaRPr lang="ko-KR"/>
+                    </a:p>
+                  </a:txBody>
                   <a:tcPr marL="90000" marR="90000">
                     <a:lnL w="720">
                       <a:solidFill>
-                        <a:srgbClr val="ffffff"/>
+                        <a:srgbClr val="FFFFFF"/>
                       </a:solidFill>
                     </a:lnL>
                     <a:lnR w="720">
                       <a:solidFill>
-                        <a:srgbClr val="ffffff"/>
+                        <a:srgbClr val="FFFFFF"/>
                       </a:solidFill>
                     </a:lnR>
                     <a:lnT w="720">
                       <a:solidFill>
-                        <a:srgbClr val="ffffff"/>
+                        <a:srgbClr val="FFFFFF"/>
                       </a:solidFill>
                     </a:lnT>
                     <a:lnB w="720">
                       <a:solidFill>
-                        <a:srgbClr val="ffffff"/>
+                        <a:srgbClr val="FFFFFF"/>
                       </a:solidFill>
                     </a:lnB>
                     <a:solidFill>
-                      <a:srgbClr val="cccccc"/>
+                      <a:srgbClr val="CCCCCC"/>
                     </a:solidFill>
                   </a:tcPr>
                 </a:tc>
                 <a:tc>
                   <a:txBody>
-                    <a:bodyPr lIns="90000" rIns="90000" tIns="46800" bIns="46800">
-                      <a:noAutofit/>
-                    </a:bodyPr>
+                    <a:bodyPr/>
+                    <a:lstStyle/>
                     <a:p>
                       <a:r>
-                        <a:rPr b="0" lang="en-US" sz="1800" spc="-1" strike="noStrike">
+                        <a:rPr lang="en-US" sz="1800" b="0" strike="noStrike" spc="-1">
                           <a:latin typeface="Arial"/>
                         </a:rPr>
                         <a:t>smac</a:t>
                       </a:r>
-                      <a:endParaRPr b="0" lang="en-US" sz="1800" spc="-1" strike="noStrike">
-                        <a:latin typeface="Arial"/>
-                      </a:endParaRPr>
                     </a:p>
                   </a:txBody>
                   <a:tcPr marL="90000" marR="90000">
                     <a:lnL w="720">
                       <a:solidFill>
-                        <a:srgbClr val="ffffff"/>
+                        <a:srgbClr val="FFFFFF"/>
                       </a:solidFill>
                     </a:lnL>
                     <a:lnR w="720">
                       <a:solidFill>
-                        <a:srgbClr val="ffffff"/>
+                        <a:srgbClr val="FFFFFF"/>
                       </a:solidFill>
                     </a:lnR>
                     <a:lnT w="720">
                       <a:solidFill>
-                        <a:srgbClr val="ffffff"/>
+                        <a:srgbClr val="FFFFFF"/>
                       </a:solidFill>
                     </a:lnT>
                     <a:lnB w="720">
                       <a:solidFill>
-                        <a:srgbClr val="ffffff"/>
+                        <a:srgbClr val="FFFFFF"/>
                       </a:solidFill>
                     </a:lnB>
                     <a:solidFill>
-                      <a:srgbClr val="cccccc"/>
+                      <a:srgbClr val="CCCCCC"/>
                     </a:solidFill>
                   </a:tcPr>
                 </a:tc>
                 <a:tc>
                   <a:txBody>
-                    <a:bodyPr lIns="90000" rIns="90000" tIns="46800" bIns="46800">
-                      <a:noAutofit/>
-                    </a:bodyPr>
+                    <a:bodyPr/>
+                    <a:lstStyle/>
                     <a:p>
                       <a:r>
-                        <a:rPr b="0" lang="en-US" sz="1800" spc="-1" strike="noStrike">
+                        <a:rPr lang="en-US" sz="1800" b="0" strike="noStrike" spc="-1">
                           <a:latin typeface="Arial"/>
                         </a:rPr>
                         <a:t>dmac</a:t>
                       </a:r>
-                      <a:endParaRPr b="0" lang="en-US" sz="1800" spc="-1" strike="noStrike">
-                        <a:latin typeface="Arial"/>
-                      </a:endParaRPr>
                     </a:p>
                   </a:txBody>
                   <a:tcPr marL="90000" marR="90000">
                     <a:lnL w="720">
                       <a:solidFill>
-                        <a:srgbClr val="ffffff"/>
+                        <a:srgbClr val="FFFFFF"/>
                       </a:solidFill>
                     </a:lnL>
                     <a:lnR w="720">
                       <a:solidFill>
-                        <a:srgbClr val="ffffff"/>
+                        <a:srgbClr val="FFFFFF"/>
                       </a:solidFill>
                     </a:lnR>
                     <a:lnT w="720">
                       <a:solidFill>
-                        <a:srgbClr val="ffffff"/>
+                        <a:srgbClr val="FFFFFF"/>
                       </a:solidFill>
                     </a:lnT>
                     <a:lnB w="720">
                       <a:solidFill>
-                        <a:srgbClr val="ffffff"/>
+                        <a:srgbClr val="FFFFFF"/>
                       </a:solidFill>
                     </a:lnB>
                     <a:solidFill>
-                      <a:srgbClr val="cccccc"/>
+                      <a:srgbClr val="CCCCCC"/>
                     </a:solidFill>
                   </a:tcPr>
                 </a:tc>
                 <a:tc>
                   <a:txBody>
-                    <a:bodyPr lIns="90000" rIns="90000" tIns="46800" bIns="46800">
-                      <a:noAutofit/>
-                    </a:bodyPr>
+                    <a:bodyPr/>
+                    <a:lstStyle/>
                     <a:p>
                       <a:r>
-                        <a:rPr b="0" lang="en-US" sz="1800" spc="-1" strike="noStrike">
+                        <a:rPr lang="en-US" sz="1800" b="0" strike="noStrike" spc="-1">
                           <a:latin typeface="Arial"/>
                         </a:rPr>
                         <a:t>sip</a:t>
                       </a:r>
-                      <a:endParaRPr b="0" lang="en-US" sz="1800" spc="-1" strike="noStrike">
-                        <a:latin typeface="Arial"/>
-                      </a:endParaRPr>
                     </a:p>
                   </a:txBody>
                   <a:tcPr marL="90000" marR="90000">
                     <a:lnL w="720">
                       <a:solidFill>
-                        <a:srgbClr val="ffffff"/>
+                        <a:srgbClr val="FFFFFF"/>
                       </a:solidFill>
                     </a:lnL>
                     <a:lnR w="720">
                       <a:solidFill>
-                        <a:srgbClr val="ffffff"/>
+                        <a:srgbClr val="FFFFFF"/>
                       </a:solidFill>
                     </a:lnR>
                     <a:lnT w="720">
                       <a:solidFill>
-                        <a:srgbClr val="ffffff"/>
+                        <a:srgbClr val="FFFFFF"/>
                       </a:solidFill>
                     </a:lnT>
                     <a:lnB w="720">
                       <a:solidFill>
-                        <a:srgbClr val="ffffff"/>
+                        <a:srgbClr val="FFFFFF"/>
                       </a:solidFill>
                     </a:lnB>
                     <a:solidFill>
-                      <a:srgbClr val="cccccc"/>
+                      <a:srgbClr val="CCCCCC"/>
                     </a:solidFill>
                   </a:tcPr>
                 </a:tc>
                 <a:tc>
                   <a:txBody>
-                    <a:bodyPr lIns="90000" rIns="90000" tIns="46800" bIns="46800">
-                      <a:noAutofit/>
-                    </a:bodyPr>
+                    <a:bodyPr/>
+                    <a:lstStyle/>
                     <a:p>
                       <a:r>
-                        <a:rPr b="0" lang="en-US" sz="1800" spc="-1" strike="noStrike">
+                        <a:rPr lang="en-US" sz="1800" b="0" strike="noStrike" spc="-1">
                           <a:latin typeface="Arial"/>
                         </a:rPr>
                         <a:t>dip</a:t>
                       </a:r>
-                      <a:endParaRPr b="0" lang="en-US" sz="1800" spc="-1" strike="noStrike">
-                        <a:latin typeface="Arial"/>
-                      </a:endParaRPr>
                     </a:p>
                   </a:txBody>
                   <a:tcPr marL="90000" marR="90000">
                     <a:lnL w="720">
                       <a:solidFill>
-                        <a:srgbClr val="ffffff"/>
+                        <a:srgbClr val="FFFFFF"/>
                       </a:solidFill>
                     </a:lnL>
                     <a:lnR w="720">
                       <a:solidFill>
-                        <a:srgbClr val="ffffff"/>
+                        <a:srgbClr val="FFFFFF"/>
                       </a:solidFill>
                     </a:lnR>
                     <a:lnT w="720">
                       <a:solidFill>
-                        <a:srgbClr val="ffffff"/>
+                        <a:srgbClr val="FFFFFF"/>
                       </a:solidFill>
                     </a:lnT>
                     <a:lnB w="720">
                       <a:solidFill>
-                        <a:srgbClr val="ffffff"/>
+                        <a:srgbClr val="FFFFFF"/>
                       </a:solidFill>
                     </a:lnB>
                     <a:solidFill>
-                      <a:srgbClr val="cccccc"/>
+                      <a:srgbClr val="CCCCCC"/>
                     </a:solidFill>
                   </a:tcPr>
                 </a:tc>
+                <a:extLst>
+                  <a:ext uri="{0D108BD9-81ED-4DB2-BD59-A6C34878D82A}">
+                    <a16:rowId xmlns:a16="http://schemas.microsoft.com/office/drawing/2014/main" val="10001"/>
+                  </a:ext>
+                </a:extLst>
               </a:tr>
               <a:tr h="349920">
                 <a:tc>
                   <a:txBody>
-                    <a:bodyPr lIns="90000" rIns="90000" tIns="46800" bIns="46800">
-                      <a:noAutofit/>
-                    </a:bodyPr>
+                    <a:bodyPr/>
+                    <a:lstStyle/>
                     <a:p>
                       <a:r>
-                        <a:rPr b="0" lang="en-US" sz="1800" spc="-1" strike="noStrike">
+                        <a:rPr lang="en-US" sz="1800" b="0" strike="noStrike" spc="-1">
                           <a:latin typeface="Arial"/>
                         </a:rPr>
                         <a:t>request</a:t>
                       </a:r>
-                      <a:endParaRPr b="0" lang="en-US" sz="1800" spc="-1" strike="noStrike">
-                        <a:latin typeface="Arial"/>
-                      </a:endParaRPr>
                     </a:p>
                   </a:txBody>
                   <a:tcPr marL="90000" marR="90000">
                     <a:lnL w="720">
                       <a:solidFill>
-                        <a:srgbClr val="ffffff"/>
+                        <a:srgbClr val="FFFFFF"/>
                       </a:solidFill>
                     </a:lnL>
                     <a:lnR w="720">
                       <a:solidFill>
-                        <a:srgbClr val="ffffff"/>
+                        <a:srgbClr val="FFFFFF"/>
                       </a:solidFill>
                     </a:lnR>
                     <a:lnT w="720">
                       <a:solidFill>
-                        <a:srgbClr val="ffffff"/>
+                        <a:srgbClr val="FFFFFF"/>
                       </a:solidFill>
                     </a:lnT>
                     <a:lnB w="720">
                       <a:solidFill>
-                        <a:srgbClr val="ffffff"/>
+                        <a:srgbClr val="FFFFFF"/>
                       </a:solidFill>
                     </a:lnB>
                     <a:solidFill>
-                      <a:srgbClr val="e6e6e6"/>
+                      <a:srgbClr val="E6E6E6"/>
                     </a:solidFill>
                   </a:tcPr>
                 </a:tc>
                 <a:tc>
                   <a:txBody>
-                    <a:bodyPr lIns="90000" rIns="90000" tIns="46800" bIns="46800">
-                      <a:noAutofit/>
-                    </a:bodyPr>
+                    <a:bodyPr/>
+                    <a:lstStyle/>
                     <a:p>
                       <a:r>
-                        <a:rPr b="0" lang="en-US" sz="1800" spc="-1" strike="noStrike">
+                        <a:rPr lang="en-US" sz="1800" b="0" strike="noStrike" spc="-1" dirty="0">
                           <a:latin typeface="Arial"/>
                         </a:rPr>
-                        <a:t>?</a:t>
+                        <a:t>9b14</a:t>
                       </a:r>
-                      <a:endParaRPr b="0" lang="en-US" sz="1800" spc="-1" strike="noStrike">
-                        <a:latin typeface="Arial"/>
-                      </a:endParaRPr>
                     </a:p>
                   </a:txBody>
                   <a:tcPr marL="90000" marR="90000">
                     <a:lnL w="720">
                       <a:solidFill>
-                        <a:srgbClr val="ffffff"/>
+                        <a:srgbClr val="FFFFFF"/>
                       </a:solidFill>
                     </a:lnL>
                     <a:lnR w="720">
                       <a:solidFill>
-                        <a:srgbClr val="ffffff"/>
+                        <a:srgbClr val="FFFFFF"/>
                       </a:solidFill>
                     </a:lnR>
                     <a:lnT w="720">
                       <a:solidFill>
-                        <a:srgbClr val="ffffff"/>
+                        <a:srgbClr val="FFFFFF"/>
                       </a:solidFill>
                     </a:lnT>
                     <a:lnB w="720">
                       <a:solidFill>
-                        <a:srgbClr val="ffffff"/>
+                        <a:srgbClr val="FFFFFF"/>
                       </a:solidFill>
                     </a:lnB>
                     <a:solidFill>
-                      <a:srgbClr val="e6e6e6"/>
+                      <a:srgbClr val="E6E6E6"/>
                     </a:solidFill>
                   </a:tcPr>
                 </a:tc>
                 <a:tc>
                   <a:txBody>
-                    <a:bodyPr lIns="90000" rIns="90000" tIns="46800" bIns="46800">
-                      <a:noAutofit/>
-                    </a:bodyPr>
+                    <a:bodyPr/>
+                    <a:lstStyle/>
                     <a:p>
                       <a:pPr>
                         <a:lnSpc>
@@ -2238,47 +2706,43 @@
                         </a:lnSpc>
                       </a:pPr>
                       <a:r>
-                        <a:rPr b="0" lang="en-US" sz="1800" spc="-1" strike="noStrike">
+                        <a:rPr lang="en-US" sz="1800" b="0" strike="noStrike" spc="-1" dirty="0">
                           <a:latin typeface="Arial"/>
                         </a:rPr>
-                        <a:t>?</a:t>
+                        <a:t>4d7e</a:t>
                       </a:r>
-                      <a:endParaRPr b="0" lang="en-US" sz="1800" spc="-1" strike="noStrike">
-                        <a:latin typeface="Arial"/>
-                      </a:endParaRPr>
                     </a:p>
                   </a:txBody>
                   <a:tcPr marL="90000" marR="90000">
                     <a:lnL w="720">
                       <a:solidFill>
-                        <a:srgbClr val="ffffff"/>
+                        <a:srgbClr val="FFFFFF"/>
                       </a:solidFill>
                     </a:lnL>
                     <a:lnR w="720">
                       <a:solidFill>
-                        <a:srgbClr val="ffffff"/>
+                        <a:srgbClr val="FFFFFF"/>
                       </a:solidFill>
                     </a:lnR>
                     <a:lnT w="720">
                       <a:solidFill>
-                        <a:srgbClr val="ffffff"/>
+                        <a:srgbClr val="FFFFFF"/>
                       </a:solidFill>
                     </a:lnT>
                     <a:lnB w="720">
                       <a:solidFill>
-                        <a:srgbClr val="ffffff"/>
+                        <a:srgbClr val="FFFFFF"/>
                       </a:solidFill>
                     </a:lnB>
                     <a:solidFill>
-                      <a:srgbClr val="e6e6e6"/>
+                      <a:srgbClr val="E6E6E6"/>
                     </a:solidFill>
                   </a:tcPr>
                 </a:tc>
                 <a:tc>
                   <a:txBody>
-                    <a:bodyPr lIns="90000" rIns="90000" tIns="46800" bIns="46800">
-                      <a:noAutofit/>
-                    </a:bodyPr>
+                    <a:bodyPr/>
+                    <a:lstStyle/>
                     <a:p>
                       <a:pPr>
                         <a:lnSpc>
@@ -2286,47 +2750,43 @@
                         </a:lnSpc>
                       </a:pPr>
                       <a:r>
-                        <a:rPr b="0" lang="en-US" sz="1800" spc="-1" strike="noStrike">
+                        <a:rPr lang="en-US" sz="1800" b="0" strike="noStrike" spc="-1" dirty="0">
                           <a:latin typeface="Arial"/>
                         </a:rPr>
-                        <a:t>?</a:t>
+                        <a:t>142</a:t>
                       </a:r>
-                      <a:endParaRPr b="0" lang="en-US" sz="1800" spc="-1" strike="noStrike">
-                        <a:latin typeface="Arial"/>
-                      </a:endParaRPr>
                     </a:p>
                   </a:txBody>
                   <a:tcPr marL="90000" marR="90000">
                     <a:lnL w="720">
                       <a:solidFill>
-                        <a:srgbClr val="ffffff"/>
+                        <a:srgbClr val="FFFFFF"/>
                       </a:solidFill>
                     </a:lnL>
                     <a:lnR w="720">
                       <a:solidFill>
-                        <a:srgbClr val="ffffff"/>
+                        <a:srgbClr val="FFFFFF"/>
                       </a:solidFill>
                     </a:lnR>
                     <a:lnT w="720">
                       <a:solidFill>
-                        <a:srgbClr val="ffffff"/>
+                        <a:srgbClr val="FFFFFF"/>
                       </a:solidFill>
                     </a:lnT>
                     <a:lnB w="720">
                       <a:solidFill>
-                        <a:srgbClr val="ffffff"/>
+                        <a:srgbClr val="FFFFFF"/>
                       </a:solidFill>
                     </a:lnB>
                     <a:solidFill>
-                      <a:srgbClr val="e6e6e6"/>
+                      <a:srgbClr val="E6E6E6"/>
                     </a:solidFill>
                   </a:tcPr>
                 </a:tc>
                 <a:tc>
                   <a:txBody>
-                    <a:bodyPr lIns="90000" rIns="90000" tIns="46800" bIns="46800">
-                      <a:noAutofit/>
-                    </a:bodyPr>
+                    <a:bodyPr/>
+                    <a:lstStyle/>
                     <a:p>
                       <a:pPr>
                         <a:lnSpc>
@@ -2334,92 +2794,89 @@
                         </a:lnSpc>
                       </a:pPr>
                       <a:r>
-                        <a:rPr b="0" lang="en-US" sz="1800" spc="-1" strike="noStrike">
+                        <a:rPr lang="en-US" sz="1800" b="0" strike="noStrike" spc="-1" dirty="0">
                           <a:latin typeface="Arial"/>
                         </a:rPr>
-                        <a:t>?</a:t>
+                        <a:t>1.1.1.1</a:t>
                       </a:r>
-                      <a:endParaRPr b="0" lang="en-US" sz="1800" spc="-1" strike="noStrike">
-                        <a:latin typeface="Arial"/>
-                      </a:endParaRPr>
                     </a:p>
                   </a:txBody>
                   <a:tcPr marL="90000" marR="90000">
                     <a:lnL w="720">
                       <a:solidFill>
-                        <a:srgbClr val="ffffff"/>
+                        <a:srgbClr val="FFFFFF"/>
                       </a:solidFill>
                     </a:lnL>
                     <a:lnR w="720">
                       <a:solidFill>
-                        <a:srgbClr val="ffffff"/>
+                        <a:srgbClr val="FFFFFF"/>
                       </a:solidFill>
                     </a:lnR>
                     <a:lnT w="720">
                       <a:solidFill>
-                        <a:srgbClr val="ffffff"/>
+                        <a:srgbClr val="FFFFFF"/>
                       </a:solidFill>
                     </a:lnT>
                     <a:lnB w="720">
                       <a:solidFill>
-                        <a:srgbClr val="ffffff"/>
+                        <a:srgbClr val="FFFFFF"/>
                       </a:solidFill>
                     </a:lnB>
                     <a:solidFill>
-                      <a:srgbClr val="e6e6e6"/>
+                      <a:srgbClr val="E6E6E6"/>
                     </a:solidFill>
                   </a:tcPr>
                 </a:tc>
+                <a:extLst>
+                  <a:ext uri="{0D108BD9-81ED-4DB2-BD59-A6C34878D82A}">
+                    <a16:rowId xmlns:a16="http://schemas.microsoft.com/office/drawing/2014/main" val="10002"/>
+                  </a:ext>
+                </a:extLst>
               </a:tr>
               <a:tr h="349920">
                 <a:tc>
                   <a:txBody>
-                    <a:bodyPr lIns="90000" rIns="90000" tIns="46800" bIns="46800">
-                      <a:noAutofit/>
-                    </a:bodyPr>
+                    <a:bodyPr/>
+                    <a:lstStyle/>
                     <a:p>
                       <a:r>
-                        <a:rPr b="0" lang="en-US" sz="1800" spc="-1" strike="noStrike">
+                        <a:rPr lang="en-US" sz="1800" b="0" strike="noStrike" spc="-1" dirty="0">
                           <a:latin typeface="Arial"/>
                         </a:rPr>
                         <a:t>reply</a:t>
                       </a:r>
-                      <a:endParaRPr b="0" lang="en-US" sz="1800" spc="-1" strike="noStrike">
-                        <a:latin typeface="Arial"/>
-                      </a:endParaRPr>
                     </a:p>
                   </a:txBody>
                   <a:tcPr marL="90000" marR="90000">
                     <a:lnL w="720">
                       <a:solidFill>
-                        <a:srgbClr val="ffffff"/>
+                        <a:srgbClr val="FFFFFF"/>
                       </a:solidFill>
                     </a:lnL>
                     <a:lnR w="720">
                       <a:solidFill>
-                        <a:srgbClr val="ffffff"/>
+                        <a:srgbClr val="FFFFFF"/>
                       </a:solidFill>
                     </a:lnR>
                     <a:lnT w="720">
                       <a:solidFill>
-                        <a:srgbClr val="ffffff"/>
+                        <a:srgbClr val="FFFFFF"/>
                       </a:solidFill>
                     </a:lnT>
                     <a:lnB w="720">
                       <a:solidFill>
-                        <a:srgbClr val="ffffff"/>
+                        <a:srgbClr val="FFFFFF"/>
                       </a:solidFill>
                     </a:lnB>
                     <a:solidFill>
-                      <a:srgbClr val="cccccc"/>
+                      <a:srgbClr val="CCCCCC"/>
                     </a:solidFill>
                   </a:tcPr>
                 </a:tc>
                 <a:tc>
                   <a:txBody>
-                    <a:bodyPr lIns="90000" rIns="90000" tIns="46800" bIns="46800">
-                      <a:noAutofit/>
-                    </a:bodyPr>
+                    <a:bodyPr/>
+                    <a:lstStyle/>
                     <a:p>
                       <a:pPr>
                         <a:lnSpc>
@@ -2427,47 +2884,43 @@
                         </a:lnSpc>
                       </a:pPr>
                       <a:r>
-                        <a:rPr b="0" lang="en-US" sz="1800" spc="-1" strike="noStrike">
+                        <a:rPr lang="en-US" sz="1800" b="0" strike="noStrike" spc="-1" dirty="0">
                           <a:latin typeface="Arial"/>
                         </a:rPr>
-                        <a:t>?</a:t>
+                        <a:t>4d7e</a:t>
                       </a:r>
-                      <a:endParaRPr b="0" lang="en-US" sz="1800" spc="-1" strike="noStrike">
-                        <a:latin typeface="Arial"/>
-                      </a:endParaRPr>
                     </a:p>
                   </a:txBody>
                   <a:tcPr marL="90000" marR="90000">
                     <a:lnL w="720">
                       <a:solidFill>
-                        <a:srgbClr val="ffffff"/>
+                        <a:srgbClr val="FFFFFF"/>
                       </a:solidFill>
                     </a:lnL>
                     <a:lnR w="720">
                       <a:solidFill>
-                        <a:srgbClr val="ffffff"/>
+                        <a:srgbClr val="FFFFFF"/>
                       </a:solidFill>
                     </a:lnR>
                     <a:lnT w="720">
                       <a:solidFill>
-                        <a:srgbClr val="ffffff"/>
+                        <a:srgbClr val="FFFFFF"/>
                       </a:solidFill>
                     </a:lnT>
                     <a:lnB w="720">
                       <a:solidFill>
-                        <a:srgbClr val="ffffff"/>
+                        <a:srgbClr val="FFFFFF"/>
                       </a:solidFill>
                     </a:lnB>
                     <a:solidFill>
-                      <a:srgbClr val="cccccc"/>
+                      <a:srgbClr val="CCCCCC"/>
                     </a:solidFill>
                   </a:tcPr>
                 </a:tc>
                 <a:tc>
                   <a:txBody>
-                    <a:bodyPr lIns="90000" rIns="90000" tIns="46800" bIns="46800">
-                      <a:noAutofit/>
-                    </a:bodyPr>
+                    <a:bodyPr/>
+                    <a:lstStyle/>
                     <a:p>
                       <a:pPr>
                         <a:lnSpc>
@@ -2475,47 +2928,43 @@
                         </a:lnSpc>
                       </a:pPr>
                       <a:r>
-                        <a:rPr b="0" lang="en-US" sz="1800" spc="-1" strike="noStrike">
+                        <a:rPr lang="en-US" sz="1800" b="0" strike="noStrike" spc="-1" dirty="0">
                           <a:latin typeface="Arial"/>
                         </a:rPr>
-                        <a:t>?</a:t>
+                        <a:t>9b14</a:t>
                       </a:r>
-                      <a:endParaRPr b="0" lang="en-US" sz="1800" spc="-1" strike="noStrike">
-                        <a:latin typeface="Arial"/>
-                      </a:endParaRPr>
                     </a:p>
                   </a:txBody>
                   <a:tcPr marL="90000" marR="90000">
                     <a:lnL w="720">
                       <a:solidFill>
-                        <a:srgbClr val="ffffff"/>
+                        <a:srgbClr val="FFFFFF"/>
                       </a:solidFill>
                     </a:lnL>
                     <a:lnR w="720">
                       <a:solidFill>
-                        <a:srgbClr val="ffffff"/>
+                        <a:srgbClr val="FFFFFF"/>
                       </a:solidFill>
                     </a:lnR>
                     <a:lnT w="720">
                       <a:solidFill>
-                        <a:srgbClr val="ffffff"/>
+                        <a:srgbClr val="FFFFFF"/>
                       </a:solidFill>
                     </a:lnT>
                     <a:lnB w="720">
                       <a:solidFill>
-                        <a:srgbClr val="ffffff"/>
+                        <a:srgbClr val="FFFFFF"/>
                       </a:solidFill>
                     </a:lnB>
                     <a:solidFill>
-                      <a:srgbClr val="cccccc"/>
+                      <a:srgbClr val="CCCCCC"/>
                     </a:solidFill>
                   </a:tcPr>
                 </a:tc>
                 <a:tc>
                   <a:txBody>
-                    <a:bodyPr lIns="90000" rIns="90000" tIns="46800" bIns="46800">
-                      <a:noAutofit/>
-                    </a:bodyPr>
+                    <a:bodyPr/>
+                    <a:lstStyle/>
                     <a:p>
                       <a:pPr>
                         <a:lnSpc>
@@ -2523,47 +2972,43 @@
                         </a:lnSpc>
                       </a:pPr>
                       <a:r>
-                        <a:rPr b="0" lang="en-US" sz="1800" spc="-1" strike="noStrike">
+                        <a:rPr lang="en-US" sz="1800" b="0" strike="noStrike" spc="-1" dirty="0">
                           <a:latin typeface="Arial"/>
                         </a:rPr>
-                        <a:t>?</a:t>
+                        <a:t>1.1.1.1</a:t>
                       </a:r>
-                      <a:endParaRPr b="0" lang="en-US" sz="1800" spc="-1" strike="noStrike">
-                        <a:latin typeface="Arial"/>
-                      </a:endParaRPr>
                     </a:p>
                   </a:txBody>
                   <a:tcPr marL="90000" marR="90000">
                     <a:lnL w="720">
                       <a:solidFill>
-                        <a:srgbClr val="ffffff"/>
+                        <a:srgbClr val="FFFFFF"/>
                       </a:solidFill>
                     </a:lnL>
                     <a:lnR w="720">
                       <a:solidFill>
-                        <a:srgbClr val="ffffff"/>
+                        <a:srgbClr val="FFFFFF"/>
                       </a:solidFill>
                     </a:lnR>
                     <a:lnT w="720">
                       <a:solidFill>
-                        <a:srgbClr val="ffffff"/>
+                        <a:srgbClr val="FFFFFF"/>
                       </a:solidFill>
                     </a:lnT>
                     <a:lnB w="720">
                       <a:solidFill>
-                        <a:srgbClr val="ffffff"/>
+                        <a:srgbClr val="FFFFFF"/>
                       </a:solidFill>
                     </a:lnB>
                     <a:solidFill>
-                      <a:srgbClr val="cccccc"/>
+                      <a:srgbClr val="CCCCCC"/>
                     </a:solidFill>
                   </a:tcPr>
                 </a:tc>
                 <a:tc>
                   <a:txBody>
-                    <a:bodyPr lIns="90000" rIns="90000" tIns="46800" bIns="46800">
-                      <a:noAutofit/>
-                    </a:bodyPr>
+                    <a:bodyPr/>
+                    <a:lstStyle/>
                     <a:p>
                       <a:pPr>
                         <a:lnSpc>
@@ -2571,42 +3016,44 @@
                         </a:lnSpc>
                       </a:pPr>
                       <a:r>
-                        <a:rPr b="0" lang="en-US" sz="1800" spc="-1" strike="noStrike">
+                        <a:rPr lang="en-US" sz="1800" b="0" strike="noStrike" spc="-1" dirty="0">
                           <a:latin typeface="Arial"/>
                         </a:rPr>
-                        <a:t>?</a:t>
+                        <a:t>142</a:t>
                       </a:r>
-                      <a:endParaRPr b="0" lang="en-US" sz="1800" spc="-1" strike="noStrike">
-                        <a:latin typeface="Arial"/>
-                      </a:endParaRPr>
                     </a:p>
                   </a:txBody>
                   <a:tcPr marL="90000" marR="90000">
                     <a:lnL w="720">
                       <a:solidFill>
-                        <a:srgbClr val="ffffff"/>
+                        <a:srgbClr val="FFFFFF"/>
                       </a:solidFill>
                     </a:lnL>
                     <a:lnR w="720">
                       <a:solidFill>
-                        <a:srgbClr val="ffffff"/>
+                        <a:srgbClr val="FFFFFF"/>
                       </a:solidFill>
                     </a:lnR>
                     <a:lnT w="720">
                       <a:solidFill>
-                        <a:srgbClr val="ffffff"/>
+                        <a:srgbClr val="FFFFFF"/>
                       </a:solidFill>
                     </a:lnT>
                     <a:lnB w="720">
                       <a:solidFill>
-                        <a:srgbClr val="ffffff"/>
+                        <a:srgbClr val="FFFFFF"/>
                       </a:solidFill>
                     </a:lnB>
                     <a:solidFill>
-                      <a:srgbClr val="cccccc"/>
+                      <a:srgbClr val="CCCCCC"/>
                     </a:solidFill>
                   </a:tcPr>
                 </a:tc>
+                <a:extLst>
+                  <a:ext uri="{0D108BD9-81ED-4DB2-BD59-A6C34878D82A}">
+                    <a16:rowId xmlns:a16="http://schemas.microsoft.com/office/drawing/2014/main" val="10003"/>
+                  </a:ext>
+                </a:extLst>
               </a:tr>
             </a:tbl>
           </a:graphicData>
@@ -2616,627 +3063,686 @@
         <p:nvGraphicFramePr>
           <p:cNvPr id="42" name="Table 2"/>
           <p:cNvGraphicFramePr/>
-          <p:nvPr/>
+          <p:nvPr>
+            <p:extLst>
+              <p:ext uri="{D42A27DB-BD31-4B8C-83A1-F6EECF244321}">
+                <p14:modId xmlns:p14="http://schemas.microsoft.com/office/powerpoint/2010/main" val="168336646"/>
+              </p:ext>
+            </p:extLst>
+          </p:nvPr>
         </p:nvGraphicFramePr>
         <p:xfrm>
           <a:off x="3750120" y="4147200"/>
-          <a:ext cx="6177240" cy="1399320"/>
+          <a:ext cx="6177600" cy="1463040"/>
         </p:xfrm>
         <a:graphic>
           <a:graphicData uri="http://schemas.openxmlformats.org/drawingml/2006/table">
             <a:tbl>
               <a:tblPr/>
               <a:tblGrid>
-                <a:gridCol w="1013040"/>
-                <a:gridCol w="779040"/>
-                <a:gridCol w="773640"/>
-                <a:gridCol w="779760"/>
-                <a:gridCol w="1048680"/>
-                <a:gridCol w="760680"/>
-                <a:gridCol w="1022760"/>
+                <a:gridCol w="1013040">
+                  <a:extLst>
+                    <a:ext uri="{9D8B030D-6E8A-4147-A177-3AD203B41FA5}">
+                      <a16:colId xmlns:a16="http://schemas.microsoft.com/office/drawing/2014/main" val="20000"/>
+                    </a:ext>
+                  </a:extLst>
+                </a:gridCol>
+                <a:gridCol w="779040">
+                  <a:extLst>
+                    <a:ext uri="{9D8B030D-6E8A-4147-A177-3AD203B41FA5}">
+                      <a16:colId xmlns:a16="http://schemas.microsoft.com/office/drawing/2014/main" val="20001"/>
+                    </a:ext>
+                  </a:extLst>
+                </a:gridCol>
+                <a:gridCol w="773640">
+                  <a:extLst>
+                    <a:ext uri="{9D8B030D-6E8A-4147-A177-3AD203B41FA5}">
+                      <a16:colId xmlns:a16="http://schemas.microsoft.com/office/drawing/2014/main" val="20002"/>
+                    </a:ext>
+                  </a:extLst>
+                </a:gridCol>
+                <a:gridCol w="779760">
+                  <a:extLst>
+                    <a:ext uri="{9D8B030D-6E8A-4147-A177-3AD203B41FA5}">
+                      <a16:colId xmlns:a16="http://schemas.microsoft.com/office/drawing/2014/main" val="20003"/>
+                    </a:ext>
+                  </a:extLst>
+                </a:gridCol>
+                <a:gridCol w="1048680">
+                  <a:extLst>
+                    <a:ext uri="{9D8B030D-6E8A-4147-A177-3AD203B41FA5}">
+                      <a16:colId xmlns:a16="http://schemas.microsoft.com/office/drawing/2014/main" val="20004"/>
+                    </a:ext>
+                  </a:extLst>
+                </a:gridCol>
+                <a:gridCol w="760680">
+                  <a:extLst>
+                    <a:ext uri="{9D8B030D-6E8A-4147-A177-3AD203B41FA5}">
+                      <a16:colId xmlns:a16="http://schemas.microsoft.com/office/drawing/2014/main" val="20005"/>
+                    </a:ext>
+                  </a:extLst>
+                </a:gridCol>
+                <a:gridCol w="1022760">
+                  <a:extLst>
+                    <a:ext uri="{9D8B030D-6E8A-4147-A177-3AD203B41FA5}">
+                      <a16:colId xmlns:a16="http://schemas.microsoft.com/office/drawing/2014/main" val="20006"/>
+                    </a:ext>
+                  </a:extLst>
+                </a:gridCol>
               </a:tblGrid>
               <a:tr h="304560">
                 <a:tc>
+                  <a:txBody>
+                    <a:bodyPr/>
+                    <a:lstStyle/>
+                    <a:p>
+                      <a:endParaRPr lang="ko-KR"/>
+                    </a:p>
+                  </a:txBody>
                   <a:tcPr marL="90000" marR="90000">
                     <a:lnL w="720">
                       <a:solidFill>
-                        <a:srgbClr val="ffffff"/>
+                        <a:srgbClr val="FFFFFF"/>
                       </a:solidFill>
                     </a:lnL>
                     <a:lnR w="720">
                       <a:solidFill>
-                        <a:srgbClr val="ffffff"/>
+                        <a:srgbClr val="FFFFFF"/>
                       </a:solidFill>
                     </a:lnR>
                     <a:lnT w="720">
                       <a:solidFill>
-                        <a:srgbClr val="ffffff"/>
+                        <a:srgbClr val="FFFFFF"/>
                       </a:solidFill>
                     </a:lnT>
                     <a:lnB w="720">
                       <a:solidFill>
-                        <a:srgbClr val="ffffff"/>
+                        <a:srgbClr val="FFFFFF"/>
                       </a:solidFill>
                     </a:lnB>
                     <a:solidFill>
-                      <a:srgbClr val="b3b3b3"/>
+                      <a:srgbClr val="B3B3B3"/>
                     </a:solidFill>
                   </a:tcPr>
                 </a:tc>
                 <a:tc gridSpan="2">
                   <a:txBody>
-                    <a:bodyPr lIns="90000" rIns="90000" tIns="46800" bIns="46800">
-                      <a:noAutofit/>
-                    </a:bodyPr>
+                    <a:bodyPr/>
+                    <a:lstStyle/>
                     <a:p>
                       <a:r>
-                        <a:rPr b="0" lang="en-US" sz="1800" spc="-1" strike="noStrike">
+                        <a:rPr lang="en-US" sz="1800" b="0" strike="noStrike" spc="-1">
                           <a:latin typeface="Arial"/>
                         </a:rPr>
                         <a:t>ETH</a:t>
                       </a:r>
-                      <a:endParaRPr b="0" lang="en-US" sz="1800" spc="-1" strike="noStrike">
-                        <a:latin typeface="Arial"/>
-                      </a:endParaRPr>
                     </a:p>
                   </a:txBody>
                   <a:tcPr marL="90000" marR="90000">
                     <a:lnL w="720">
                       <a:solidFill>
-                        <a:srgbClr val="ffffff"/>
+                        <a:srgbClr val="FFFFFF"/>
                       </a:solidFill>
                     </a:lnL>
                     <a:lnR w="720">
                       <a:solidFill>
-                        <a:srgbClr val="ffffff"/>
+                        <a:srgbClr val="FFFFFF"/>
                       </a:solidFill>
                     </a:lnR>
                     <a:lnT w="720">
                       <a:solidFill>
-                        <a:srgbClr val="ffffff"/>
+                        <a:srgbClr val="FFFFFF"/>
                       </a:solidFill>
                     </a:lnT>
                     <a:lnB w="720">
                       <a:solidFill>
-                        <a:srgbClr val="ffffff"/>
+                        <a:srgbClr val="FFFFFF"/>
                       </a:solidFill>
                     </a:lnB>
                     <a:solidFill>
-                      <a:srgbClr val="b3b3b3"/>
+                      <a:srgbClr val="B3B3B3"/>
                     </a:solidFill>
                   </a:tcPr>
                 </a:tc>
                 <a:tc hMerge="1">
+                  <a:txBody>
+                    <a:bodyPr/>
+                    <a:lstStyle/>
+                    <a:p>
+                      <a:endParaRPr lang="ko-KR"/>
+                    </a:p>
+                  </a:txBody>
                   <a:tcPr marL="90000" marR="90000">
                     <a:lnL w="720">
                       <a:solidFill>
-                        <a:srgbClr val="ffffff"/>
+                        <a:srgbClr val="FFFFFF"/>
                       </a:solidFill>
                     </a:lnL>
                     <a:lnR w="720">
                       <a:solidFill>
-                        <a:srgbClr val="ffffff"/>
+                        <a:srgbClr val="FFFFFF"/>
                       </a:solidFill>
                     </a:lnR>
                     <a:lnT w="720">
                       <a:solidFill>
-                        <a:srgbClr val="ffffff"/>
+                        <a:srgbClr val="FFFFFF"/>
                       </a:solidFill>
                     </a:lnT>
                     <a:lnB w="720">
                       <a:solidFill>
-                        <a:srgbClr val="ffffff"/>
+                        <a:srgbClr val="FFFFFF"/>
                       </a:solidFill>
                     </a:lnB>
                     <a:solidFill>
-                      <a:srgbClr val="b3b3b3"/>
+                      <a:srgbClr val="B3B3B3"/>
                     </a:solidFill>
                   </a:tcPr>
                 </a:tc>
                 <a:tc gridSpan="4">
                   <a:txBody>
-                    <a:bodyPr lIns="90000" rIns="90000" tIns="46800" bIns="46800">
-                      <a:noAutofit/>
-                    </a:bodyPr>
+                    <a:bodyPr/>
+                    <a:lstStyle/>
                     <a:p>
                       <a:r>
-                        <a:rPr b="0" lang="en-US" sz="1800" spc="-1" strike="noStrike">
+                        <a:rPr lang="en-US" sz="1800" b="0" strike="noStrike" spc="-1">
                           <a:latin typeface="Arial"/>
                         </a:rPr>
                         <a:t>ARP</a:t>
                       </a:r>
-                      <a:endParaRPr b="0" lang="en-US" sz="1800" spc="-1" strike="noStrike">
-                        <a:latin typeface="Arial"/>
-                      </a:endParaRPr>
                     </a:p>
                   </a:txBody>
                   <a:tcPr marL="90000" marR="90000">
                     <a:lnL w="720">
                       <a:solidFill>
-                        <a:srgbClr val="ffffff"/>
+                        <a:srgbClr val="FFFFFF"/>
                       </a:solidFill>
                     </a:lnL>
                     <a:lnR w="720">
                       <a:solidFill>
-                        <a:srgbClr val="ffffff"/>
+                        <a:srgbClr val="FFFFFF"/>
                       </a:solidFill>
                     </a:lnR>
                     <a:lnT w="720">
                       <a:solidFill>
-                        <a:srgbClr val="ffffff"/>
+                        <a:srgbClr val="FFFFFF"/>
                       </a:solidFill>
                     </a:lnT>
                     <a:lnB w="720">
                       <a:solidFill>
-                        <a:srgbClr val="ffffff"/>
+                        <a:srgbClr val="FFFFFF"/>
                       </a:solidFill>
                     </a:lnB>
                     <a:solidFill>
-                      <a:srgbClr val="b3b3b3"/>
+                      <a:srgbClr val="B3B3B3"/>
                     </a:solidFill>
                   </a:tcPr>
                 </a:tc>
                 <a:tc hMerge="1">
+                  <a:txBody>
+                    <a:bodyPr/>
+                    <a:lstStyle/>
+                    <a:p>
+                      <a:endParaRPr lang="ko-KR"/>
+                    </a:p>
+                  </a:txBody>
                   <a:tcPr marL="90000" marR="90000">
                     <a:lnL w="720">
                       <a:solidFill>
-                        <a:srgbClr val="ffffff"/>
+                        <a:srgbClr val="FFFFFF"/>
                       </a:solidFill>
                     </a:lnL>
                     <a:lnR w="720">
                       <a:solidFill>
-                        <a:srgbClr val="ffffff"/>
+                        <a:srgbClr val="FFFFFF"/>
                       </a:solidFill>
                     </a:lnR>
                     <a:lnT w="720">
                       <a:solidFill>
-                        <a:srgbClr val="ffffff"/>
+                        <a:srgbClr val="FFFFFF"/>
                       </a:solidFill>
                     </a:lnT>
                     <a:lnB w="720">
                       <a:solidFill>
-                        <a:srgbClr val="ffffff"/>
+                        <a:srgbClr val="FFFFFF"/>
                       </a:solidFill>
                     </a:lnB>
                     <a:solidFill>
-                      <a:srgbClr val="b3b3b3"/>
+                      <a:srgbClr val="B3B3B3"/>
                     </a:solidFill>
                   </a:tcPr>
                 </a:tc>
                 <a:tc hMerge="1">
+                  <a:txBody>
+                    <a:bodyPr/>
+                    <a:lstStyle/>
+                    <a:p>
+                      <a:endParaRPr lang="ko-KR"/>
+                    </a:p>
+                  </a:txBody>
                   <a:tcPr marL="90000" marR="90000">
                     <a:lnL w="720">
                       <a:solidFill>
-                        <a:srgbClr val="ffffff"/>
+                        <a:srgbClr val="FFFFFF"/>
                       </a:solidFill>
                     </a:lnL>
                     <a:lnR w="720">
                       <a:solidFill>
-                        <a:srgbClr val="ffffff"/>
+                        <a:srgbClr val="FFFFFF"/>
                       </a:solidFill>
                     </a:lnR>
                     <a:lnT w="720">
                       <a:solidFill>
-                        <a:srgbClr val="ffffff"/>
+                        <a:srgbClr val="FFFFFF"/>
                       </a:solidFill>
                     </a:lnT>
                     <a:lnB w="720">
                       <a:solidFill>
-                        <a:srgbClr val="ffffff"/>
+                        <a:srgbClr val="FFFFFF"/>
                       </a:solidFill>
                     </a:lnB>
                     <a:solidFill>
-                      <a:srgbClr val="b3b3b3"/>
+                      <a:srgbClr val="B3B3B3"/>
                     </a:solidFill>
                   </a:tcPr>
                 </a:tc>
                 <a:tc hMerge="1">
+                  <a:txBody>
+                    <a:bodyPr/>
+                    <a:lstStyle/>
+                    <a:p>
+                      <a:endParaRPr lang="ko-KR"/>
+                    </a:p>
+                  </a:txBody>
                   <a:tcPr marL="90000" marR="90000">
                     <a:lnL w="720">
                       <a:solidFill>
-                        <a:srgbClr val="ffffff"/>
+                        <a:srgbClr val="FFFFFF"/>
                       </a:solidFill>
                     </a:lnL>
                     <a:lnR w="720">
                       <a:solidFill>
-                        <a:srgbClr val="ffffff"/>
+                        <a:srgbClr val="FFFFFF"/>
                       </a:solidFill>
                     </a:lnR>
                     <a:lnT w="720">
                       <a:solidFill>
-                        <a:srgbClr val="ffffff"/>
+                        <a:srgbClr val="FFFFFF"/>
                       </a:solidFill>
                     </a:lnT>
                     <a:lnB w="720">
                       <a:solidFill>
-                        <a:srgbClr val="ffffff"/>
+                        <a:srgbClr val="FFFFFF"/>
                       </a:solidFill>
                     </a:lnB>
                     <a:solidFill>
-                      <a:srgbClr val="b3b3b3"/>
+                      <a:srgbClr val="B3B3B3"/>
                     </a:solidFill>
                   </a:tcPr>
                 </a:tc>
+                <a:extLst>
+                  <a:ext uri="{0D108BD9-81ED-4DB2-BD59-A6C34878D82A}">
+                    <a16:rowId xmlns:a16="http://schemas.microsoft.com/office/drawing/2014/main" val="10000"/>
+                  </a:ext>
+                </a:extLst>
               </a:tr>
               <a:tr h="216000">
                 <a:tc>
+                  <a:txBody>
+                    <a:bodyPr/>
+                    <a:lstStyle/>
+                    <a:p>
+                      <a:endParaRPr lang="ko-KR"/>
+                    </a:p>
+                  </a:txBody>
                   <a:tcPr marL="90000" marR="90000">
                     <a:lnL w="720">
                       <a:solidFill>
-                        <a:srgbClr val="ffffff"/>
+                        <a:srgbClr val="FFFFFF"/>
                       </a:solidFill>
                     </a:lnL>
                     <a:lnR w="720">
                       <a:solidFill>
-                        <a:srgbClr val="ffffff"/>
+                        <a:srgbClr val="FFFFFF"/>
                       </a:solidFill>
                     </a:lnR>
                     <a:lnT w="720">
                       <a:solidFill>
-                        <a:srgbClr val="ffffff"/>
+                        <a:srgbClr val="FFFFFF"/>
                       </a:solidFill>
                     </a:lnT>
                     <a:lnB w="720">
                       <a:solidFill>
-                        <a:srgbClr val="ffffff"/>
+                        <a:srgbClr val="FFFFFF"/>
                       </a:solidFill>
                     </a:lnB>
                     <a:solidFill>
-                      <a:srgbClr val="cccccc"/>
+                      <a:srgbClr val="CCCCCC"/>
                     </a:solidFill>
                   </a:tcPr>
                 </a:tc>
                 <a:tc>
                   <a:txBody>
-                    <a:bodyPr lIns="90000" rIns="90000" tIns="46800" bIns="46800">
-                      <a:noAutofit/>
-                    </a:bodyPr>
+                    <a:bodyPr/>
+                    <a:lstStyle/>
                     <a:p>
                       <a:r>
-                        <a:rPr b="0" lang="en-US" sz="1800" spc="-1" strike="noStrike">
+                        <a:rPr lang="en-US" sz="1800" b="0" strike="noStrike" spc="-1">
                           <a:latin typeface="Arial"/>
                         </a:rPr>
                         <a:t>smac</a:t>
                       </a:r>
-                      <a:endParaRPr b="0" lang="en-US" sz="1800" spc="-1" strike="noStrike">
-                        <a:latin typeface="Arial"/>
-                      </a:endParaRPr>
                     </a:p>
                   </a:txBody>
                   <a:tcPr marL="90000" marR="90000">
                     <a:lnL w="720">
                       <a:solidFill>
-                        <a:srgbClr val="ffffff"/>
+                        <a:srgbClr val="FFFFFF"/>
                       </a:solidFill>
                     </a:lnL>
                     <a:lnR w="720">
                       <a:solidFill>
-                        <a:srgbClr val="ffffff"/>
+                        <a:srgbClr val="FFFFFF"/>
                       </a:solidFill>
                     </a:lnR>
                     <a:lnT w="720">
                       <a:solidFill>
-                        <a:srgbClr val="ffffff"/>
+                        <a:srgbClr val="FFFFFF"/>
                       </a:solidFill>
                     </a:lnT>
                     <a:lnB w="720">
                       <a:solidFill>
-                        <a:srgbClr val="ffffff"/>
+                        <a:srgbClr val="FFFFFF"/>
                       </a:solidFill>
                     </a:lnB>
                     <a:solidFill>
-                      <a:srgbClr val="cccccc"/>
+                      <a:srgbClr val="CCCCCC"/>
                     </a:solidFill>
                   </a:tcPr>
                 </a:tc>
                 <a:tc>
                   <a:txBody>
-                    <a:bodyPr lIns="90000" rIns="90000" tIns="46800" bIns="46800">
-                      <a:noAutofit/>
-                    </a:bodyPr>
+                    <a:bodyPr/>
+                    <a:lstStyle/>
                     <a:p>
                       <a:r>
-                        <a:rPr b="0" lang="en-US" sz="1800" spc="-1" strike="noStrike">
+                        <a:rPr lang="en-US" sz="1800" b="0" strike="noStrike" spc="-1">
                           <a:latin typeface="Arial"/>
                         </a:rPr>
                         <a:t>dmac</a:t>
                       </a:r>
-                      <a:endParaRPr b="0" lang="en-US" sz="1800" spc="-1" strike="noStrike">
-                        <a:latin typeface="Arial"/>
-                      </a:endParaRPr>
                     </a:p>
                   </a:txBody>
                   <a:tcPr marL="90000" marR="90000">
                     <a:lnL w="720">
                       <a:solidFill>
-                        <a:srgbClr val="ffffff"/>
+                        <a:srgbClr val="FFFFFF"/>
                       </a:solidFill>
                     </a:lnL>
                     <a:lnR w="720">
                       <a:solidFill>
-                        <a:srgbClr val="ffffff"/>
+                        <a:srgbClr val="FFFFFF"/>
                       </a:solidFill>
                     </a:lnR>
                     <a:lnT w="720">
                       <a:solidFill>
-                        <a:srgbClr val="ffffff"/>
+                        <a:srgbClr val="FFFFFF"/>
                       </a:solidFill>
                     </a:lnT>
                     <a:lnB w="720">
                       <a:solidFill>
-                        <a:srgbClr val="ffffff"/>
+                        <a:srgbClr val="FFFFFF"/>
                       </a:solidFill>
                     </a:lnB>
                     <a:solidFill>
-                      <a:srgbClr val="cccccc"/>
+                      <a:srgbClr val="CCCCCC"/>
                     </a:solidFill>
                   </a:tcPr>
                 </a:tc>
                 <a:tc>
                   <a:txBody>
-                    <a:bodyPr lIns="90000" rIns="90000" tIns="46800" bIns="46800">
-                      <a:noAutofit/>
-                    </a:bodyPr>
+                    <a:bodyPr/>
+                    <a:lstStyle/>
                     <a:p>
                       <a:r>
-                        <a:rPr b="0" lang="en-US" sz="1800" spc="-1" strike="noStrike">
+                        <a:rPr lang="en-US" sz="1800" b="0" strike="noStrike" spc="-1">
                           <a:latin typeface="Arial"/>
                         </a:rPr>
                         <a:t>smac</a:t>
                       </a:r>
-                      <a:endParaRPr b="0" lang="en-US" sz="1800" spc="-1" strike="noStrike">
-                        <a:latin typeface="Arial"/>
-                      </a:endParaRPr>
                     </a:p>
                   </a:txBody>
                   <a:tcPr marL="90000" marR="90000">
                     <a:lnL w="720">
                       <a:solidFill>
-                        <a:srgbClr val="ffffff"/>
+                        <a:srgbClr val="FFFFFF"/>
                       </a:solidFill>
                     </a:lnL>
                     <a:lnR w="720">
                       <a:solidFill>
-                        <a:srgbClr val="ffffff"/>
+                        <a:srgbClr val="FFFFFF"/>
                       </a:solidFill>
                     </a:lnR>
                     <a:lnT w="720">
                       <a:solidFill>
-                        <a:srgbClr val="ffffff"/>
+                        <a:srgbClr val="FFFFFF"/>
                       </a:solidFill>
                     </a:lnT>
                     <a:lnB w="720">
                       <a:solidFill>
-                        <a:srgbClr val="ffffff"/>
+                        <a:srgbClr val="FFFFFF"/>
                       </a:solidFill>
                     </a:lnB>
                     <a:solidFill>
-                      <a:srgbClr val="cccccc"/>
+                      <a:srgbClr val="CCCCCC"/>
                     </a:solidFill>
                   </a:tcPr>
                 </a:tc>
                 <a:tc>
                   <a:txBody>
-                    <a:bodyPr lIns="90000" rIns="90000" tIns="46800" bIns="46800">
-                      <a:noAutofit/>
-                    </a:bodyPr>
+                    <a:bodyPr/>
+                    <a:lstStyle/>
                     <a:p>
                       <a:r>
-                        <a:rPr b="0" lang="en-US" sz="1800" spc="-1" strike="noStrike">
+                        <a:rPr lang="en-US" sz="1800" b="0" strike="noStrike" spc="-1">
                           <a:latin typeface="Arial"/>
                         </a:rPr>
                         <a:t>sip</a:t>
                       </a:r>
-                      <a:endParaRPr b="0" lang="en-US" sz="1800" spc="-1" strike="noStrike">
-                        <a:latin typeface="Arial"/>
-                      </a:endParaRPr>
                     </a:p>
                   </a:txBody>
                   <a:tcPr marL="90000" marR="90000">
                     <a:lnL w="720">
                       <a:solidFill>
-                        <a:srgbClr val="ffffff"/>
+                        <a:srgbClr val="FFFFFF"/>
                       </a:solidFill>
                     </a:lnL>
                     <a:lnR w="720">
                       <a:solidFill>
-                        <a:srgbClr val="ffffff"/>
+                        <a:srgbClr val="FFFFFF"/>
                       </a:solidFill>
                     </a:lnR>
                     <a:lnT w="720">
                       <a:solidFill>
-                        <a:srgbClr val="ffffff"/>
+                        <a:srgbClr val="FFFFFF"/>
                       </a:solidFill>
                     </a:lnT>
                     <a:lnB w="720">
                       <a:solidFill>
-                        <a:srgbClr val="ffffff"/>
+                        <a:srgbClr val="FFFFFF"/>
                       </a:solidFill>
                     </a:lnB>
                     <a:solidFill>
-                      <a:srgbClr val="cccccc"/>
+                      <a:srgbClr val="CCCCCC"/>
                     </a:solidFill>
                   </a:tcPr>
                 </a:tc>
                 <a:tc>
                   <a:txBody>
-                    <a:bodyPr lIns="90000" rIns="90000" tIns="46800" bIns="46800">
-                      <a:noAutofit/>
-                    </a:bodyPr>
+                    <a:bodyPr/>
+                    <a:lstStyle/>
                     <a:p>
                       <a:r>
-                        <a:rPr b="0" lang="en-US" sz="1800" spc="-1" strike="noStrike">
+                        <a:rPr lang="en-US" sz="1800" b="0" strike="noStrike" spc="-1">
                           <a:latin typeface="Arial"/>
                         </a:rPr>
                         <a:t>tmac</a:t>
                       </a:r>
-                      <a:endParaRPr b="0" lang="en-US" sz="1800" spc="-1" strike="noStrike">
-                        <a:latin typeface="Arial"/>
-                      </a:endParaRPr>
                     </a:p>
                   </a:txBody>
                   <a:tcPr marL="90000" marR="90000">
                     <a:lnL w="720">
                       <a:solidFill>
-                        <a:srgbClr val="ffffff"/>
+                        <a:srgbClr val="FFFFFF"/>
                       </a:solidFill>
                     </a:lnL>
                     <a:lnR w="720">
                       <a:solidFill>
-                        <a:srgbClr val="ffffff"/>
+                        <a:srgbClr val="FFFFFF"/>
                       </a:solidFill>
                     </a:lnR>
                     <a:lnT w="720">
                       <a:solidFill>
-                        <a:srgbClr val="ffffff"/>
+                        <a:srgbClr val="FFFFFF"/>
                       </a:solidFill>
                     </a:lnT>
                     <a:lnB w="720">
                       <a:solidFill>
-                        <a:srgbClr val="ffffff"/>
+                        <a:srgbClr val="FFFFFF"/>
                       </a:solidFill>
                     </a:lnB>
                     <a:solidFill>
-                      <a:srgbClr val="cccccc"/>
+                      <a:srgbClr val="CCCCCC"/>
                     </a:solidFill>
                   </a:tcPr>
                 </a:tc>
                 <a:tc>
                   <a:txBody>
-                    <a:bodyPr lIns="90000" rIns="90000" tIns="46800" bIns="46800">
-                      <a:noAutofit/>
-                    </a:bodyPr>
+                    <a:bodyPr/>
+                    <a:lstStyle/>
                     <a:p>
                       <a:r>
-                        <a:rPr b="0" lang="en-US" sz="1800" spc="-1" strike="noStrike">
+                        <a:rPr lang="en-US" sz="1800" b="0" strike="noStrike" spc="-1">
                           <a:latin typeface="Arial"/>
                         </a:rPr>
                         <a:t>tip</a:t>
                       </a:r>
-                      <a:endParaRPr b="0" lang="en-US" sz="1800" spc="-1" strike="noStrike">
-                        <a:latin typeface="Arial"/>
-                      </a:endParaRPr>
                     </a:p>
                   </a:txBody>
                   <a:tcPr marL="90000" marR="90000">
                     <a:lnL w="720">
                       <a:solidFill>
-                        <a:srgbClr val="ffffff"/>
+                        <a:srgbClr val="FFFFFF"/>
                       </a:solidFill>
                     </a:lnL>
                     <a:lnR w="720">
                       <a:solidFill>
-                        <a:srgbClr val="ffffff"/>
+                        <a:srgbClr val="FFFFFF"/>
                       </a:solidFill>
                     </a:lnR>
                     <a:lnT w="720">
                       <a:solidFill>
-                        <a:srgbClr val="ffffff"/>
+                        <a:srgbClr val="FFFFFF"/>
                       </a:solidFill>
                     </a:lnT>
                     <a:lnB w="720">
                       <a:solidFill>
-                        <a:srgbClr val="ffffff"/>
+                        <a:srgbClr val="FFFFFF"/>
                       </a:solidFill>
                     </a:lnB>
                     <a:solidFill>
-                      <a:srgbClr val="cccccc"/>
+                      <a:srgbClr val="CCCCCC"/>
                     </a:solidFill>
                   </a:tcPr>
                 </a:tc>
+                <a:extLst>
+                  <a:ext uri="{0D108BD9-81ED-4DB2-BD59-A6C34878D82A}">
+                    <a16:rowId xmlns:a16="http://schemas.microsoft.com/office/drawing/2014/main" val="10001"/>
+                  </a:ext>
+                </a:extLst>
               </a:tr>
               <a:tr h="216000">
                 <a:tc>
                   <a:txBody>
-                    <a:bodyPr lIns="90000" rIns="90000" tIns="46800" bIns="46800">
-                      <a:noAutofit/>
-                    </a:bodyPr>
+                    <a:bodyPr/>
+                    <a:lstStyle/>
                     <a:p>
                       <a:r>
-                        <a:rPr b="0" lang="en-US" sz="1800" spc="-1" strike="noStrike">
+                        <a:rPr lang="en-US" sz="1800" b="0" strike="noStrike" spc="-1">
                           <a:latin typeface="Arial"/>
                         </a:rPr>
                         <a:t>request</a:t>
                       </a:r>
-                      <a:endParaRPr b="0" lang="en-US" sz="1800" spc="-1" strike="noStrike">
-                        <a:latin typeface="Arial"/>
-                      </a:endParaRPr>
                     </a:p>
                   </a:txBody>
                   <a:tcPr marL="90000" marR="90000">
                     <a:lnL w="720">
                       <a:solidFill>
-                        <a:srgbClr val="ffffff"/>
+                        <a:srgbClr val="FFFFFF"/>
                       </a:solidFill>
                     </a:lnL>
                     <a:lnR w="720">
                       <a:solidFill>
-                        <a:srgbClr val="ffffff"/>
+                        <a:srgbClr val="FFFFFF"/>
                       </a:solidFill>
                     </a:lnR>
                     <a:lnT w="720">
                       <a:solidFill>
-                        <a:srgbClr val="ffffff"/>
+                        <a:srgbClr val="FFFFFF"/>
                       </a:solidFill>
                     </a:lnT>
                     <a:lnB w="720">
                       <a:solidFill>
-                        <a:srgbClr val="ffffff"/>
+                        <a:srgbClr val="FFFFFF"/>
                       </a:solidFill>
                     </a:lnB>
                     <a:solidFill>
-                      <a:srgbClr val="e6e6e6"/>
+                      <a:srgbClr val="E6E6E6"/>
                     </a:solidFill>
                   </a:tcPr>
                 </a:tc>
                 <a:tc>
                   <a:txBody>
-                    <a:bodyPr lIns="90000" rIns="90000" tIns="46800" bIns="46800">
-                      <a:noAutofit/>
-                    </a:bodyPr>
+                    <a:bodyPr/>
+                    <a:lstStyle/>
                     <a:p>
                       <a:r>
-                        <a:rPr b="0" lang="en-US" sz="1800" spc="-1" strike="noStrike">
+                        <a:rPr lang="en-US" sz="1800" b="0" strike="noStrike" spc="-1" dirty="0">
                           <a:latin typeface="Arial"/>
                         </a:rPr>
-                        <a:t>?</a:t>
+                        <a:t>9b14</a:t>
                       </a:r>
-                      <a:endParaRPr b="0" lang="en-US" sz="1800" spc="-1" strike="noStrike">
-                        <a:latin typeface="Arial"/>
-                      </a:endParaRPr>
                     </a:p>
                   </a:txBody>
                   <a:tcPr marL="90000" marR="90000">
                     <a:lnL w="720">
                       <a:solidFill>
-                        <a:srgbClr val="ffffff"/>
+                        <a:srgbClr val="FFFFFF"/>
                       </a:solidFill>
                     </a:lnL>
                     <a:lnR w="720">
                       <a:solidFill>
-                        <a:srgbClr val="ffffff"/>
+                        <a:srgbClr val="FFFFFF"/>
                       </a:solidFill>
                     </a:lnR>
                     <a:lnT w="720">
                       <a:solidFill>
-                        <a:srgbClr val="ffffff"/>
+                        <a:srgbClr val="FFFFFF"/>
                       </a:solidFill>
                     </a:lnT>
                     <a:lnB w="720">
                       <a:solidFill>
-                        <a:srgbClr val="ffffff"/>
+                        <a:srgbClr val="FFFFFF"/>
                       </a:solidFill>
                     </a:lnB>
                     <a:solidFill>
-                      <a:srgbClr val="e6e6e6"/>
+                      <a:srgbClr val="E6E6E6"/>
                     </a:solidFill>
                   </a:tcPr>
                 </a:tc>
                 <a:tc>
                   <a:txBody>
-                    <a:bodyPr lIns="90000" rIns="90000" tIns="46800" bIns="46800">
-                      <a:noAutofit/>
-                    </a:bodyPr>
+                    <a:bodyPr/>
+                    <a:lstStyle/>
                     <a:p>
                       <a:pPr>
                         <a:lnSpc>
@@ -3244,12 +3750,12 @@
                         </a:lnSpc>
                       </a:pPr>
                       <a:r>
-                        <a:rPr b="0" lang="en-US" sz="1800" spc="-1" strike="noStrike">
+                        <a:rPr lang="en-US" sz="1800" b="0" strike="noStrike" spc="-1" dirty="0" err="1">
                           <a:latin typeface="Arial"/>
                         </a:rPr>
-                        <a:t>?</a:t>
+                        <a:t>ffff</a:t>
                       </a:r>
-                      <a:endParaRPr b="0" lang="en-US" sz="1800" spc="-1" strike="noStrike">
+                      <a:endParaRPr lang="en-US" sz="1800" b="0" strike="noStrike" spc="-1" dirty="0">
                         <a:latin typeface="Arial"/>
                       </a:endParaRPr>
                     </a:p>
@@ -3257,34 +3763,33 @@
                   <a:tcPr marL="90000" marR="90000">
                     <a:lnL w="720">
                       <a:solidFill>
-                        <a:srgbClr val="ffffff"/>
+                        <a:srgbClr val="FFFFFF"/>
                       </a:solidFill>
                     </a:lnL>
                     <a:lnR w="720">
                       <a:solidFill>
-                        <a:srgbClr val="ffffff"/>
+                        <a:srgbClr val="FFFFFF"/>
                       </a:solidFill>
                     </a:lnR>
                     <a:lnT w="720">
                       <a:solidFill>
-                        <a:srgbClr val="ffffff"/>
+                        <a:srgbClr val="FFFFFF"/>
                       </a:solidFill>
                     </a:lnT>
                     <a:lnB w="720">
                       <a:solidFill>
-                        <a:srgbClr val="ffffff"/>
+                        <a:srgbClr val="FFFFFF"/>
                       </a:solidFill>
                     </a:lnB>
                     <a:solidFill>
-                      <a:srgbClr val="e6e6e6"/>
+                      <a:srgbClr val="E6E6E6"/>
                     </a:solidFill>
                   </a:tcPr>
                 </a:tc>
                 <a:tc>
                   <a:txBody>
-                    <a:bodyPr lIns="90000" rIns="90000" tIns="46800" bIns="46800">
-                      <a:noAutofit/>
-                    </a:bodyPr>
+                    <a:bodyPr/>
+                    <a:lstStyle/>
                     <a:p>
                       <a:pPr>
                         <a:lnSpc>
@@ -3292,47 +3797,43 @@
                         </a:lnSpc>
                       </a:pPr>
                       <a:r>
-                        <a:rPr b="0" lang="en-US" sz="1800" spc="-1" strike="noStrike">
+                        <a:rPr lang="en-US" sz="1800" b="0" strike="noStrike" spc="-1" dirty="0">
                           <a:latin typeface="Arial"/>
                         </a:rPr>
-                        <a:t>?</a:t>
+                        <a:t>9b14</a:t>
                       </a:r>
-                      <a:endParaRPr b="0" lang="en-US" sz="1800" spc="-1" strike="noStrike">
-                        <a:latin typeface="Arial"/>
-                      </a:endParaRPr>
                     </a:p>
                   </a:txBody>
                   <a:tcPr marL="90000" marR="90000">
                     <a:lnL w="720">
                       <a:solidFill>
-                        <a:srgbClr val="ffffff"/>
+                        <a:srgbClr val="FFFFFF"/>
                       </a:solidFill>
                     </a:lnL>
                     <a:lnR w="720">
                       <a:solidFill>
-                        <a:srgbClr val="ffffff"/>
+                        <a:srgbClr val="FFFFFF"/>
                       </a:solidFill>
                     </a:lnR>
                     <a:lnT w="720">
                       <a:solidFill>
-                        <a:srgbClr val="ffffff"/>
+                        <a:srgbClr val="FFFFFF"/>
                       </a:solidFill>
                     </a:lnT>
                     <a:lnB w="720">
                       <a:solidFill>
-                        <a:srgbClr val="ffffff"/>
+                        <a:srgbClr val="FFFFFF"/>
                       </a:solidFill>
                     </a:lnB>
                     <a:solidFill>
-                      <a:srgbClr val="e6e6e6"/>
+                      <a:srgbClr val="E6E6E6"/>
                     </a:solidFill>
                   </a:tcPr>
                 </a:tc>
                 <a:tc>
                   <a:txBody>
-                    <a:bodyPr lIns="90000" rIns="90000" tIns="46800" bIns="46800">
-                      <a:noAutofit/>
-                    </a:bodyPr>
+                    <a:bodyPr/>
+                    <a:lstStyle/>
                     <a:p>
                       <a:pPr>
                         <a:lnSpc>
@@ -3340,47 +3841,43 @@
                         </a:lnSpc>
                       </a:pPr>
                       <a:r>
-                        <a:rPr b="0" lang="en-US" sz="1800" spc="-1" strike="noStrike">
+                        <a:rPr lang="en-US" sz="1800" b="0" strike="noStrike" spc="-1" dirty="0">
                           <a:latin typeface="Arial"/>
                         </a:rPr>
-                        <a:t>?</a:t>
+                        <a:t>142</a:t>
                       </a:r>
-                      <a:endParaRPr b="0" lang="en-US" sz="1800" spc="-1" strike="noStrike">
-                        <a:latin typeface="Arial"/>
-                      </a:endParaRPr>
                     </a:p>
                   </a:txBody>
                   <a:tcPr marL="90000" marR="90000">
                     <a:lnL w="720">
                       <a:solidFill>
-                        <a:srgbClr val="ffffff"/>
+                        <a:srgbClr val="FFFFFF"/>
                       </a:solidFill>
                     </a:lnL>
                     <a:lnR w="720">
                       <a:solidFill>
-                        <a:srgbClr val="ffffff"/>
+                        <a:srgbClr val="FFFFFF"/>
                       </a:solidFill>
                     </a:lnR>
                     <a:lnT w="720">
                       <a:solidFill>
-                        <a:srgbClr val="ffffff"/>
+                        <a:srgbClr val="FFFFFF"/>
                       </a:solidFill>
                     </a:lnT>
                     <a:lnB w="720">
                       <a:solidFill>
-                        <a:srgbClr val="ffffff"/>
+                        <a:srgbClr val="FFFFFF"/>
                       </a:solidFill>
                     </a:lnB>
                     <a:solidFill>
-                      <a:srgbClr val="e6e6e6"/>
+                      <a:srgbClr val="E6E6E6"/>
                     </a:solidFill>
                   </a:tcPr>
                 </a:tc>
                 <a:tc>
                   <a:txBody>
-                    <a:bodyPr lIns="90000" rIns="90000" tIns="46800" bIns="46800">
-                      <a:noAutofit/>
-                    </a:bodyPr>
+                    <a:bodyPr/>
+                    <a:lstStyle/>
                     <a:p>
                       <a:pPr>
                         <a:lnSpc>
@@ -3388,47 +3885,43 @@
                         </a:lnSpc>
                       </a:pPr>
                       <a:r>
-                        <a:rPr b="0" lang="en-US" sz="1800" spc="-1" strike="noStrike">
+                        <a:rPr lang="en-US" sz="1800" b="0" strike="noStrike" spc="-1" dirty="0">
                           <a:latin typeface="Arial"/>
                         </a:rPr>
-                        <a:t>?</a:t>
+                        <a:t>0000</a:t>
                       </a:r>
-                      <a:endParaRPr b="0" lang="en-US" sz="1800" spc="-1" strike="noStrike">
-                        <a:latin typeface="Arial"/>
-                      </a:endParaRPr>
                     </a:p>
                   </a:txBody>
                   <a:tcPr marL="90000" marR="90000">
                     <a:lnL w="720">
                       <a:solidFill>
-                        <a:srgbClr val="ffffff"/>
+                        <a:srgbClr val="FFFFFF"/>
                       </a:solidFill>
                     </a:lnL>
                     <a:lnR w="720">
                       <a:solidFill>
-                        <a:srgbClr val="ffffff"/>
+                        <a:srgbClr val="FFFFFF"/>
                       </a:solidFill>
                     </a:lnR>
                     <a:lnT w="720">
                       <a:solidFill>
-                        <a:srgbClr val="ffffff"/>
+                        <a:srgbClr val="FFFFFF"/>
                       </a:solidFill>
                     </a:lnT>
                     <a:lnB w="720">
                       <a:solidFill>
-                        <a:srgbClr val="ffffff"/>
+                        <a:srgbClr val="FFFFFF"/>
                       </a:solidFill>
                     </a:lnB>
                     <a:solidFill>
-                      <a:srgbClr val="e6e6e6"/>
+                      <a:srgbClr val="E6E6E6"/>
                     </a:solidFill>
                   </a:tcPr>
                 </a:tc>
                 <a:tc>
                   <a:txBody>
-                    <a:bodyPr lIns="90000" rIns="90000" tIns="46800" bIns="46800">
-                      <a:noAutofit/>
-                    </a:bodyPr>
+                    <a:bodyPr/>
+                    <a:lstStyle/>
                     <a:p>
                       <a:pPr>
                         <a:lnSpc>
@@ -3436,92 +3929,89 @@
                         </a:lnSpc>
                       </a:pPr>
                       <a:r>
-                        <a:rPr b="0" lang="en-US" sz="1800" spc="-1" strike="noStrike">
+                        <a:rPr lang="en-US" sz="1800" b="0" strike="noStrike" spc="-1" dirty="0">
                           <a:latin typeface="Arial"/>
                         </a:rPr>
-                        <a:t>?</a:t>
+                        <a:t>18</a:t>
                       </a:r>
-                      <a:endParaRPr b="0" lang="en-US" sz="1800" spc="-1" strike="noStrike">
-                        <a:latin typeface="Arial"/>
-                      </a:endParaRPr>
                     </a:p>
                   </a:txBody>
                   <a:tcPr marL="90000" marR="90000">
                     <a:lnL w="720">
                       <a:solidFill>
-                        <a:srgbClr val="ffffff"/>
+                        <a:srgbClr val="FFFFFF"/>
                       </a:solidFill>
                     </a:lnL>
                     <a:lnR w="720">
                       <a:solidFill>
-                        <a:srgbClr val="ffffff"/>
+                        <a:srgbClr val="FFFFFF"/>
                       </a:solidFill>
                     </a:lnR>
                     <a:lnT w="720">
                       <a:solidFill>
-                        <a:srgbClr val="ffffff"/>
+                        <a:srgbClr val="FFFFFF"/>
                       </a:solidFill>
                     </a:lnT>
                     <a:lnB w="720">
                       <a:solidFill>
-                        <a:srgbClr val="ffffff"/>
+                        <a:srgbClr val="FFFFFF"/>
                       </a:solidFill>
                     </a:lnB>
                     <a:solidFill>
-                      <a:srgbClr val="e6e6e6"/>
+                      <a:srgbClr val="E6E6E6"/>
                     </a:solidFill>
                   </a:tcPr>
                 </a:tc>
+                <a:extLst>
+                  <a:ext uri="{0D108BD9-81ED-4DB2-BD59-A6C34878D82A}">
+                    <a16:rowId xmlns:a16="http://schemas.microsoft.com/office/drawing/2014/main" val="10002"/>
+                  </a:ext>
+                </a:extLst>
               </a:tr>
               <a:tr h="281160">
                 <a:tc>
                   <a:txBody>
-                    <a:bodyPr lIns="90000" rIns="90000" tIns="46800" bIns="46800">
-                      <a:noAutofit/>
-                    </a:bodyPr>
+                    <a:bodyPr/>
+                    <a:lstStyle/>
                     <a:p>
                       <a:r>
-                        <a:rPr b="0" lang="en-US" sz="1800" spc="-1" strike="noStrike">
+                        <a:rPr lang="en-US" sz="1800" b="0" strike="noStrike" spc="-1">
                           <a:latin typeface="Arial"/>
                         </a:rPr>
                         <a:t>reply</a:t>
                       </a:r>
-                      <a:endParaRPr b="0" lang="en-US" sz="1800" spc="-1" strike="noStrike">
-                        <a:latin typeface="Arial"/>
-                      </a:endParaRPr>
                     </a:p>
                   </a:txBody>
                   <a:tcPr marL="90000" marR="90000">
                     <a:lnL w="720">
                       <a:solidFill>
-                        <a:srgbClr val="ffffff"/>
+                        <a:srgbClr val="FFFFFF"/>
                       </a:solidFill>
                     </a:lnL>
                     <a:lnR w="720">
                       <a:solidFill>
-                        <a:srgbClr val="ffffff"/>
+                        <a:srgbClr val="FFFFFF"/>
                       </a:solidFill>
                     </a:lnR>
                     <a:lnT w="720">
                       <a:solidFill>
-                        <a:srgbClr val="ffffff"/>
+                        <a:srgbClr val="FFFFFF"/>
                       </a:solidFill>
                     </a:lnT>
                     <a:lnB w="720">
                       <a:solidFill>
-                        <a:srgbClr val="ffffff"/>
+                        <a:srgbClr val="FFFFFF"/>
                       </a:solidFill>
                     </a:lnB>
                     <a:solidFill>
-                      <a:srgbClr val="cccccc"/>
+                      <a:srgbClr val="CCCCCC"/>
                     </a:solidFill>
                   </a:tcPr>
                 </a:tc>
                 <a:tc>
                   <a:txBody>
-                    <a:bodyPr lIns="90000" rIns="90000" tIns="46800" bIns="46800">
-                      <a:noAutofit/>
-                    </a:bodyPr>
+                    <a:bodyPr/>
+                    <a:lstStyle/>
                     <a:p>
                       <a:pPr>
                         <a:lnSpc>
@@ -3529,47 +4019,43 @@
                         </a:lnSpc>
                       </a:pPr>
                       <a:r>
-                        <a:rPr b="0" lang="en-US" sz="1800" spc="-1" strike="noStrike">
+                        <a:rPr lang="en-US" sz="1800" b="0" strike="noStrike" spc="-1" dirty="0">
                           <a:latin typeface="Arial"/>
                         </a:rPr>
-                        <a:t>?</a:t>
+                        <a:t>4d7e</a:t>
                       </a:r>
-                      <a:endParaRPr b="0" lang="en-US" sz="1800" spc="-1" strike="noStrike">
-                        <a:latin typeface="Arial"/>
-                      </a:endParaRPr>
                     </a:p>
                   </a:txBody>
                   <a:tcPr marL="90000" marR="90000">
                     <a:lnL w="720">
                       <a:solidFill>
-                        <a:srgbClr val="ffffff"/>
+                        <a:srgbClr val="FFFFFF"/>
                       </a:solidFill>
                     </a:lnL>
                     <a:lnR w="720">
                       <a:solidFill>
-                        <a:srgbClr val="ffffff"/>
+                        <a:srgbClr val="FFFFFF"/>
                       </a:solidFill>
                     </a:lnR>
                     <a:lnT w="720">
                       <a:solidFill>
-                        <a:srgbClr val="ffffff"/>
+                        <a:srgbClr val="FFFFFF"/>
                       </a:solidFill>
                     </a:lnT>
                     <a:lnB w="720">
                       <a:solidFill>
-                        <a:srgbClr val="ffffff"/>
+                        <a:srgbClr val="FFFFFF"/>
                       </a:solidFill>
                     </a:lnB>
                     <a:solidFill>
-                      <a:srgbClr val="cccccc"/>
+                      <a:srgbClr val="CCCCCC"/>
                     </a:solidFill>
                   </a:tcPr>
                 </a:tc>
                 <a:tc>
                   <a:txBody>
-                    <a:bodyPr lIns="90000" rIns="90000" tIns="46800" bIns="46800">
-                      <a:noAutofit/>
-                    </a:bodyPr>
+                    <a:bodyPr/>
+                    <a:lstStyle/>
                     <a:p>
                       <a:pPr>
                         <a:lnSpc>
@@ -3577,47 +4063,43 @@
                         </a:lnSpc>
                       </a:pPr>
                       <a:r>
-                        <a:rPr b="0" lang="en-US" sz="1800" spc="-1" strike="noStrike">
+                        <a:rPr lang="en-US" sz="1800" b="0" strike="noStrike" spc="-1" dirty="0">
                           <a:latin typeface="Arial"/>
                         </a:rPr>
-                        <a:t>?</a:t>
+                        <a:t>9b14</a:t>
                       </a:r>
-                      <a:endParaRPr b="0" lang="en-US" sz="1800" spc="-1" strike="noStrike">
-                        <a:latin typeface="Arial"/>
-                      </a:endParaRPr>
                     </a:p>
                   </a:txBody>
                   <a:tcPr marL="90000" marR="90000">
                     <a:lnL w="720">
                       <a:solidFill>
-                        <a:srgbClr val="ffffff"/>
+                        <a:srgbClr val="FFFFFF"/>
                       </a:solidFill>
                     </a:lnL>
                     <a:lnR w="720">
                       <a:solidFill>
-                        <a:srgbClr val="ffffff"/>
+                        <a:srgbClr val="FFFFFF"/>
                       </a:solidFill>
                     </a:lnR>
                     <a:lnT w="720">
                       <a:solidFill>
-                        <a:srgbClr val="ffffff"/>
+                        <a:srgbClr val="FFFFFF"/>
                       </a:solidFill>
                     </a:lnT>
                     <a:lnB w="720">
                       <a:solidFill>
-                        <a:srgbClr val="ffffff"/>
+                        <a:srgbClr val="FFFFFF"/>
                       </a:solidFill>
                     </a:lnB>
                     <a:solidFill>
-                      <a:srgbClr val="cccccc"/>
+                      <a:srgbClr val="CCCCCC"/>
                     </a:solidFill>
                   </a:tcPr>
                 </a:tc>
                 <a:tc>
                   <a:txBody>
-                    <a:bodyPr lIns="90000" rIns="90000" tIns="46800" bIns="46800">
-                      <a:noAutofit/>
-                    </a:bodyPr>
+                    <a:bodyPr/>
+                    <a:lstStyle/>
                     <a:p>
                       <a:pPr>
                         <a:lnSpc>
@@ -3625,47 +4107,43 @@
                         </a:lnSpc>
                       </a:pPr>
                       <a:r>
-                        <a:rPr b="0" lang="en-US" sz="1800" spc="-1" strike="noStrike">
+                        <a:rPr lang="en-US" sz="1800" b="0" strike="noStrike" spc="-1" dirty="0">
                           <a:latin typeface="Arial"/>
                         </a:rPr>
-                        <a:t>?</a:t>
+                        <a:t>4d7e</a:t>
                       </a:r>
-                      <a:endParaRPr b="0" lang="en-US" sz="1800" spc="-1" strike="noStrike">
-                        <a:latin typeface="Arial"/>
-                      </a:endParaRPr>
                     </a:p>
                   </a:txBody>
                   <a:tcPr marL="90000" marR="90000">
                     <a:lnL w="720">
                       <a:solidFill>
-                        <a:srgbClr val="ffffff"/>
+                        <a:srgbClr val="FFFFFF"/>
                       </a:solidFill>
                     </a:lnL>
                     <a:lnR w="720">
                       <a:solidFill>
-                        <a:srgbClr val="ffffff"/>
+                        <a:srgbClr val="FFFFFF"/>
                       </a:solidFill>
                     </a:lnR>
                     <a:lnT w="720">
                       <a:solidFill>
-                        <a:srgbClr val="ffffff"/>
+                        <a:srgbClr val="FFFFFF"/>
                       </a:solidFill>
                     </a:lnT>
                     <a:lnB w="720">
                       <a:solidFill>
-                        <a:srgbClr val="ffffff"/>
+                        <a:srgbClr val="FFFFFF"/>
                       </a:solidFill>
                     </a:lnB>
                     <a:solidFill>
-                      <a:srgbClr val="cccccc"/>
+                      <a:srgbClr val="CCCCCC"/>
                     </a:solidFill>
                   </a:tcPr>
                 </a:tc>
                 <a:tc>
                   <a:txBody>
-                    <a:bodyPr lIns="90000" rIns="90000" tIns="46800" bIns="46800">
-                      <a:noAutofit/>
-                    </a:bodyPr>
+                    <a:bodyPr/>
+                    <a:lstStyle/>
                     <a:p>
                       <a:pPr>
                         <a:lnSpc>
@@ -3673,47 +4151,43 @@
                         </a:lnSpc>
                       </a:pPr>
                       <a:r>
-                        <a:rPr b="0" lang="en-US" sz="1800" spc="-1" strike="noStrike">
+                        <a:rPr lang="en-US" sz="1800" b="0" strike="noStrike" spc="-1" dirty="0">
                           <a:latin typeface="Arial"/>
                         </a:rPr>
-                        <a:t>?</a:t>
+                        <a:t>18</a:t>
                       </a:r>
-                      <a:endParaRPr b="0" lang="en-US" sz="1800" spc="-1" strike="noStrike">
-                        <a:latin typeface="Arial"/>
-                      </a:endParaRPr>
                     </a:p>
                   </a:txBody>
                   <a:tcPr marL="90000" marR="90000">
                     <a:lnL w="720">
                       <a:solidFill>
-                        <a:srgbClr val="ffffff"/>
+                        <a:srgbClr val="FFFFFF"/>
                       </a:solidFill>
                     </a:lnL>
                     <a:lnR w="720">
                       <a:solidFill>
-                        <a:srgbClr val="ffffff"/>
+                        <a:srgbClr val="FFFFFF"/>
                       </a:solidFill>
                     </a:lnR>
                     <a:lnT w="720">
                       <a:solidFill>
-                        <a:srgbClr val="ffffff"/>
+                        <a:srgbClr val="FFFFFF"/>
                       </a:solidFill>
                     </a:lnT>
                     <a:lnB w="720">
                       <a:solidFill>
-                        <a:srgbClr val="ffffff"/>
+                        <a:srgbClr val="FFFFFF"/>
                       </a:solidFill>
                     </a:lnB>
                     <a:solidFill>
-                      <a:srgbClr val="cccccc"/>
+                      <a:srgbClr val="CCCCCC"/>
                     </a:solidFill>
                   </a:tcPr>
                 </a:tc>
                 <a:tc>
                   <a:txBody>
-                    <a:bodyPr lIns="90000" rIns="90000" tIns="46800" bIns="46800">
-                      <a:noAutofit/>
-                    </a:bodyPr>
+                    <a:bodyPr/>
+                    <a:lstStyle/>
                     <a:p>
                       <a:pPr>
                         <a:lnSpc>
@@ -3721,47 +4195,43 @@
                         </a:lnSpc>
                       </a:pPr>
                       <a:r>
-                        <a:rPr b="0" lang="en-US" sz="1800" spc="-1" strike="noStrike">
+                        <a:rPr lang="en-US" sz="1800" b="0" strike="noStrike" spc="-1" dirty="0">
                           <a:latin typeface="Arial"/>
                         </a:rPr>
-                        <a:t>?</a:t>
+                        <a:t>9b14</a:t>
                       </a:r>
-                      <a:endParaRPr b="0" lang="en-US" sz="1800" spc="-1" strike="noStrike">
-                        <a:latin typeface="Arial"/>
-                      </a:endParaRPr>
                     </a:p>
                   </a:txBody>
                   <a:tcPr marL="90000" marR="90000">
                     <a:lnL w="720">
                       <a:solidFill>
-                        <a:srgbClr val="ffffff"/>
+                        <a:srgbClr val="FFFFFF"/>
                       </a:solidFill>
                     </a:lnL>
                     <a:lnR w="720">
                       <a:solidFill>
-                        <a:srgbClr val="ffffff"/>
+                        <a:srgbClr val="FFFFFF"/>
                       </a:solidFill>
                     </a:lnR>
                     <a:lnT w="720">
                       <a:solidFill>
-                        <a:srgbClr val="ffffff"/>
+                        <a:srgbClr val="FFFFFF"/>
                       </a:solidFill>
                     </a:lnT>
                     <a:lnB w="720">
                       <a:solidFill>
-                        <a:srgbClr val="ffffff"/>
+                        <a:srgbClr val="FFFFFF"/>
                       </a:solidFill>
                     </a:lnB>
                     <a:solidFill>
-                      <a:srgbClr val="cccccc"/>
+                      <a:srgbClr val="CCCCCC"/>
                     </a:solidFill>
                   </a:tcPr>
                 </a:tc>
                 <a:tc>
                   <a:txBody>
-                    <a:bodyPr lIns="90000" rIns="90000" tIns="46800" bIns="46800">
-                      <a:noAutofit/>
-                    </a:bodyPr>
+                    <a:bodyPr/>
+                    <a:lstStyle/>
                     <a:p>
                       <a:pPr>
                         <a:lnSpc>
@@ -3769,42 +4239,50 @@
                         </a:lnSpc>
                       </a:pPr>
                       <a:r>
-                        <a:rPr b="0" lang="en-US" sz="1800" spc="-1" strike="noStrike">
+                        <a:rPr lang="en-US" sz="1800" b="0" strike="noStrike" spc="-1">
                           <a:latin typeface="Arial"/>
                         </a:rPr>
-                        <a:t>?</a:t>
+                        <a:t>14</a:t>
                       </a:r>
-                      <a:endParaRPr b="0" lang="en-US" sz="1800" spc="-1" strike="noStrike">
-                        <a:latin typeface="Arial"/>
-                      </a:endParaRPr>
+                      <a:r>
+                        <a:rPr lang="en-US" sz="1800" b="0" strike="noStrike" spc="-1" dirty="0">
+                          <a:latin typeface="Arial"/>
+                        </a:rPr>
+                        <a:t>2</a:t>
+                      </a:r>
                     </a:p>
                   </a:txBody>
                   <a:tcPr marL="90000" marR="90000">
                     <a:lnL w="720">
                       <a:solidFill>
-                        <a:srgbClr val="ffffff"/>
+                        <a:srgbClr val="FFFFFF"/>
                       </a:solidFill>
                     </a:lnL>
                     <a:lnR w="720">
                       <a:solidFill>
-                        <a:srgbClr val="ffffff"/>
+                        <a:srgbClr val="FFFFFF"/>
                       </a:solidFill>
                     </a:lnR>
                     <a:lnT w="720">
                       <a:solidFill>
-                        <a:srgbClr val="ffffff"/>
+                        <a:srgbClr val="FFFFFF"/>
                       </a:solidFill>
                     </a:lnT>
                     <a:lnB w="720">
                       <a:solidFill>
-                        <a:srgbClr val="ffffff"/>
+                        <a:srgbClr val="FFFFFF"/>
                       </a:solidFill>
                     </a:lnB>
                     <a:solidFill>
-                      <a:srgbClr val="cccccc"/>
+                      <a:srgbClr val="CCCCCC"/>
                     </a:solidFill>
                   </a:tcPr>
                 </a:tc>
+                <a:extLst>
+                  <a:ext uri="{0D108BD9-81ED-4DB2-BD59-A6C34878D82A}">
+                    <a16:rowId xmlns:a16="http://schemas.microsoft.com/office/drawing/2014/main" val="10003"/>
+                  </a:ext>
+                </a:extLst>
               </a:tr>
             </a:tbl>
           </a:graphicData>
@@ -3825,35 +4303,39 @@
             <a:avLst/>
           </a:prstGeom>
           <a:solidFill>
-            <a:srgbClr val="729fcf"/>
+            <a:srgbClr val="729FCF"/>
           </a:solidFill>
           <a:ln>
             <a:solidFill>
-              <a:srgbClr val="3465a4"/>
+              <a:srgbClr val="3465A4"/>
             </a:solidFill>
           </a:ln>
         </p:spPr>
         <p:style>
-          <a:lnRef idx="0"/>
-          <a:fillRef idx="0"/>
-          <a:effectRef idx="0"/>
+          <a:lnRef idx="0">
+            <a:scrgbClr r="0" g="0" b="0"/>
+          </a:lnRef>
+          <a:fillRef idx="0">
+            <a:scrgbClr r="0" g="0" b="0"/>
+          </a:fillRef>
+          <a:effectRef idx="0">
+            <a:scrgbClr r="0" g="0" b="0"/>
+          </a:effectRef>
           <a:fontRef idx="minor"/>
         </p:style>
         <p:txBody>
-          <a:bodyPr wrap="none" lIns="90000" rIns="90000" tIns="45000" bIns="45000" anchor="ctr">
+          <a:bodyPr wrap="none" lIns="90000" tIns="45000" rIns="90000" bIns="45000" anchor="ctr">
             <a:noAutofit/>
           </a:bodyPr>
+          <a:lstStyle/>
           <a:p>
             <a:pPr algn="ctr"/>
             <a:r>
-              <a:rPr b="0" lang="en-US" sz="1800" spc="-1" strike="noStrike">
+              <a:rPr lang="en-US" sz="1800" b="0" strike="noStrike" spc="-1">
                 <a:latin typeface="Arial"/>
               </a:rPr>
               <a:t>ICMP</a:t>
             </a:r>
-            <a:endParaRPr b="0" lang="en-US" sz="1800" spc="-1" strike="noStrike">
-              <a:latin typeface="Arial"/>
-            </a:endParaRPr>
           </a:p>
         </p:txBody>
       </p:sp>
@@ -3872,35 +4354,39 @@
             <a:avLst/>
           </a:prstGeom>
           <a:solidFill>
-            <a:srgbClr val="729fcf"/>
+            <a:srgbClr val="729FCF"/>
           </a:solidFill>
           <a:ln>
             <a:solidFill>
-              <a:srgbClr val="3465a4"/>
+              <a:srgbClr val="3465A4"/>
             </a:solidFill>
           </a:ln>
         </p:spPr>
         <p:style>
-          <a:lnRef idx="0"/>
-          <a:fillRef idx="0"/>
-          <a:effectRef idx="0"/>
+          <a:lnRef idx="0">
+            <a:scrgbClr r="0" g="0" b="0"/>
+          </a:lnRef>
+          <a:fillRef idx="0">
+            <a:scrgbClr r="0" g="0" b="0"/>
+          </a:fillRef>
+          <a:effectRef idx="0">
+            <a:scrgbClr r="0" g="0" b="0"/>
+          </a:effectRef>
           <a:fontRef idx="minor"/>
         </p:style>
         <p:txBody>
-          <a:bodyPr wrap="none" lIns="90000" rIns="90000" tIns="45000" bIns="45000" anchor="ctr">
+          <a:bodyPr wrap="none" lIns="90000" tIns="45000" rIns="90000" bIns="45000" anchor="ctr">
             <a:noAutofit/>
           </a:bodyPr>
+          <a:lstStyle/>
           <a:p>
             <a:pPr algn="ctr"/>
             <a:r>
-              <a:rPr b="0" lang="en-US" sz="1800" spc="-1" strike="noStrike">
+              <a:rPr lang="en-US" sz="1800" b="0" strike="noStrike" spc="-1">
                 <a:latin typeface="Arial"/>
               </a:rPr>
               <a:t>ARP</a:t>
             </a:r>
-            <a:endParaRPr b="0" lang="en-US" sz="1800" spc="-1" strike="noStrike">
-              <a:latin typeface="Arial"/>
-            </a:endParaRPr>
           </a:p>
         </p:txBody>
       </p:sp>
@@ -3919,59 +4405,57 @@
             <a:avLst/>
           </a:prstGeom>
           <a:solidFill>
-            <a:srgbClr val="729fcf"/>
+            <a:srgbClr val="729FCF"/>
           </a:solidFill>
           <a:ln>
             <a:solidFill>
-              <a:srgbClr val="3465a4"/>
+              <a:srgbClr val="3465A4"/>
             </a:solidFill>
           </a:ln>
         </p:spPr>
         <p:style>
-          <a:lnRef idx="0"/>
-          <a:fillRef idx="0"/>
-          <a:effectRef idx="0"/>
+          <a:lnRef idx="0">
+            <a:scrgbClr r="0" g="0" b="0"/>
+          </a:lnRef>
+          <a:fillRef idx="0">
+            <a:scrgbClr r="0" g="0" b="0"/>
+          </a:fillRef>
+          <a:effectRef idx="0">
+            <a:scrgbClr r="0" g="0" b="0"/>
+          </a:effectRef>
           <a:fontRef idx="minor"/>
         </p:style>
         <p:txBody>
-          <a:bodyPr wrap="none" lIns="90000" rIns="90000" tIns="45000" bIns="45000" anchor="ctr">
+          <a:bodyPr wrap="none" lIns="90000" tIns="45000" rIns="90000" bIns="45000" anchor="ctr">
             <a:noAutofit/>
           </a:bodyPr>
+          <a:lstStyle/>
           <a:p>
             <a:pPr algn="ctr"/>
             <a:r>
-              <a:rPr b="0" lang="en-US" sz="1800" spc="-1" strike="noStrike">
+              <a:rPr lang="en-US" sz="1800" b="0" strike="noStrike" spc="-1" dirty="0">
                 <a:latin typeface="Arial"/>
               </a:rPr>
               <a:t>gateway</a:t>
             </a:r>
-            <a:endParaRPr b="0" lang="en-US" sz="1800" spc="-1" strike="noStrike">
-              <a:latin typeface="Arial"/>
-            </a:endParaRPr>
           </a:p>
           <a:p>
             <a:pPr algn="ctr"/>
             <a:r>
-              <a:rPr b="0" lang="en-US" sz="1800" spc="-1" strike="noStrike">
+              <a:rPr lang="en-US" sz="1800" b="0" strike="noStrike" spc="-1" dirty="0">
                 <a:latin typeface="Arial"/>
               </a:rPr>
-              <a:t>&lt;mac&gt;</a:t>
+              <a:t>36:4f:07:f4:4d:7e</a:t>
             </a:r>
-            <a:endParaRPr b="0" lang="en-US" sz="1800" spc="-1" strike="noStrike">
-              <a:latin typeface="Arial"/>
-            </a:endParaRPr>
           </a:p>
           <a:p>
             <a:pPr algn="ctr"/>
             <a:r>
-              <a:rPr b="0" lang="en-US" sz="1800" spc="-1" strike="noStrike">
+              <a:rPr lang="en-US" sz="1800" b="0" strike="noStrike" spc="-1" dirty="0">
                 <a:latin typeface="Arial"/>
               </a:rPr>
-              <a:t>&lt;ip&gt;</a:t>
+              <a:t>192.168.174.18</a:t>
             </a:r>
-            <a:endParaRPr b="0" lang="en-US" sz="1800" spc="-1" strike="noStrike">
-              <a:latin typeface="Arial"/>
-            </a:endParaRPr>
           </a:p>
         </p:txBody>
       </p:sp>
@@ -3990,35 +4474,39 @@
             <a:avLst/>
           </a:prstGeom>
           <a:solidFill>
-            <a:srgbClr val="729fcf"/>
+            <a:srgbClr val="729FCF"/>
           </a:solidFill>
           <a:ln>
             <a:solidFill>
-              <a:srgbClr val="3465a4"/>
+              <a:srgbClr val="3465A4"/>
             </a:solidFill>
           </a:ln>
         </p:spPr>
         <p:style>
-          <a:lnRef idx="0"/>
-          <a:fillRef idx="0"/>
-          <a:effectRef idx="0"/>
+          <a:lnRef idx="0">
+            <a:scrgbClr r="0" g="0" b="0"/>
+          </a:lnRef>
+          <a:fillRef idx="0">
+            <a:scrgbClr r="0" g="0" b="0"/>
+          </a:fillRef>
+          <a:effectRef idx="0">
+            <a:scrgbClr r="0" g="0" b="0"/>
+          </a:effectRef>
           <a:fontRef idx="minor"/>
         </p:style>
         <p:txBody>
-          <a:bodyPr wrap="none" lIns="90000" rIns="90000" tIns="45000" bIns="45000" anchor="ctr">
+          <a:bodyPr wrap="none" lIns="90000" tIns="45000" rIns="90000" bIns="45000" anchor="ctr">
             <a:noAutofit/>
           </a:bodyPr>
+          <a:lstStyle/>
           <a:p>
             <a:pPr algn="ctr"/>
             <a:r>
-              <a:rPr b="0" lang="en-US" sz="1800" spc="-1" strike="noStrike">
+              <a:rPr lang="en-US" sz="1800" b="0" strike="noStrike" spc="-1" dirty="0">
                 <a:latin typeface="Arial"/>
               </a:rPr>
               <a:t>you</a:t>
             </a:r>
-            <a:endParaRPr b="0" lang="en-US" sz="1800" spc="-1" strike="noStrike">
-              <a:latin typeface="Arial"/>
-            </a:endParaRPr>
           </a:p>
           <a:p>
             <a:pPr algn="ctr">
@@ -4027,14 +4515,11 @@
               </a:lnSpc>
             </a:pPr>
             <a:r>
-              <a:rPr b="0" lang="en-US" sz="1800" spc="-1" strike="noStrike">
+              <a:rPr lang="en-US" sz="1800" b="0" strike="noStrike" spc="-1" dirty="0">
                 <a:latin typeface="Arial"/>
               </a:rPr>
-              <a:t>&lt;mac&gt;</a:t>
+              <a:t>00:0f:00:00:31:b2</a:t>
             </a:r>
-            <a:endParaRPr b="0" lang="en-US" sz="1800" spc="-1" strike="noStrike">
-              <a:latin typeface="Arial"/>
-            </a:endParaRPr>
           </a:p>
           <a:p>
             <a:pPr algn="ctr">
@@ -4043,14 +4528,11 @@
               </a:lnSpc>
             </a:pPr>
             <a:r>
-              <a:rPr b="0" lang="en-US" sz="1800" spc="-1" strike="noStrike">
+              <a:rPr lang="en-US" sz="1800" b="0" strike="noStrike" spc="-1" dirty="0">
                 <a:latin typeface="Arial"/>
               </a:rPr>
-              <a:t>&lt;ip&gt;</a:t>
+              <a:t>192.168.174.242</a:t>
             </a:r>
-            <a:endParaRPr b="0" lang="en-US" sz="1800" spc="-1" strike="noStrike">
-              <a:latin typeface="Arial"/>
-            </a:endParaRPr>
           </a:p>
         </p:txBody>
       </p:sp>
@@ -4069,35 +4551,39 @@
             <a:avLst/>
           </a:prstGeom>
           <a:solidFill>
-            <a:srgbClr val="729fcf"/>
+            <a:srgbClr val="729FCF"/>
           </a:solidFill>
           <a:ln>
             <a:solidFill>
-              <a:srgbClr val="3465a4"/>
+              <a:srgbClr val="3465A4"/>
             </a:solidFill>
           </a:ln>
         </p:spPr>
         <p:style>
-          <a:lnRef idx="0"/>
-          <a:fillRef idx="0"/>
-          <a:effectRef idx="0"/>
+          <a:lnRef idx="0">
+            <a:scrgbClr r="0" g="0" b="0"/>
+          </a:lnRef>
+          <a:fillRef idx="0">
+            <a:scrgbClr r="0" g="0" b="0"/>
+          </a:fillRef>
+          <a:effectRef idx="0">
+            <a:scrgbClr r="0" g="0" b="0"/>
+          </a:effectRef>
           <a:fontRef idx="minor"/>
         </p:style>
         <p:txBody>
-          <a:bodyPr wrap="none" lIns="90000" rIns="90000" tIns="45000" bIns="45000" anchor="ctr">
+          <a:bodyPr wrap="none" lIns="90000" tIns="45000" rIns="90000" bIns="45000" anchor="ctr">
             <a:noAutofit/>
           </a:bodyPr>
+          <a:lstStyle/>
           <a:p>
             <a:pPr algn="ctr"/>
             <a:r>
-              <a:rPr b="0" lang="en-US" sz="1800" spc="-1" strike="noStrike">
+              <a:rPr lang="en-US" sz="1800" b="0" strike="noStrike" spc="-1" dirty="0">
                 <a:latin typeface="Arial"/>
               </a:rPr>
               <a:t>me</a:t>
             </a:r>
-            <a:endParaRPr b="0" lang="en-US" sz="1800" spc="-1" strike="noStrike">
-              <a:latin typeface="Arial"/>
-            </a:endParaRPr>
           </a:p>
           <a:p>
             <a:pPr algn="ctr">
@@ -4106,14 +4592,11 @@
               </a:lnSpc>
             </a:pPr>
             <a:r>
-              <a:rPr b="0" lang="en-US" sz="1800" spc="-1" strike="noStrike">
+              <a:rPr lang="en-US" sz="1800" b="0" strike="noStrike" spc="-1" dirty="0">
                 <a:latin typeface="Arial"/>
               </a:rPr>
-              <a:t>&lt;mac&gt;</a:t>
+              <a:t>a0:47:d7:21:9b:14</a:t>
             </a:r>
-            <a:endParaRPr b="0" lang="en-US" sz="1800" spc="-1" strike="noStrike">
-              <a:latin typeface="Arial"/>
-            </a:endParaRPr>
           </a:p>
           <a:p>
             <a:pPr algn="ctr">
@@ -4122,12 +4605,12 @@
               </a:lnSpc>
             </a:pPr>
             <a:r>
-              <a:rPr b="0" lang="en-US" sz="1800" spc="-1" strike="noStrike">
+              <a:rPr lang="en-US" spc="-1" dirty="0">
                 <a:latin typeface="Arial"/>
               </a:rPr>
-              <a:t>&lt;ip&gt;</a:t>
+              <a:t>192.168.174.142</a:t>
             </a:r>
-            <a:endParaRPr b="0" lang="en-US" sz="1800" spc="-1" strike="noStrike">
+            <a:endParaRPr lang="en-US" sz="1800" b="0" strike="noStrike" spc="-1" dirty="0">
               <a:latin typeface="Arial"/>
             </a:endParaRPr>
           </a:p>
@@ -4135,14 +4618,9 @@
       </p:sp>
     </p:spTree>
   </p:cSld>
-  <mc:AlternateContent>
-    <mc:Choice Requires="p14">
-      <p:transition spd="slow" p14:dur="2000"/>
-    </mc:Choice>
-    <mc:Fallback>
-      <p:transition spd="slow"/>
-    </mc:Fallback>
-  </mc:AlternateContent>
+  <p:clrMapOvr>
+    <a:masterClrMapping/>
+  </p:clrMapOvr>
 </p:sld>
 </file>
 
@@ -4157,31 +4635,31 @@
         <a:sysClr val="window" lastClr="FFFFFF"/>
       </a:lt1>
       <a:dk2>
-        <a:srgbClr val="1f497d"/>
+        <a:srgbClr val="1F497D"/>
       </a:dk2>
       <a:lt2>
-        <a:srgbClr val="eeece1"/>
+        <a:srgbClr val="EEECE1"/>
       </a:lt2>
       <a:accent1>
-        <a:srgbClr val="4f81bd"/>
+        <a:srgbClr val="4F81BD"/>
       </a:accent1>
       <a:accent2>
-        <a:srgbClr val="c0504d"/>
+        <a:srgbClr val="C0504D"/>
       </a:accent2>
       <a:accent3>
-        <a:srgbClr val="9bbb59"/>
+        <a:srgbClr val="9BBB59"/>
       </a:accent3>
       <a:accent4>
-        <a:srgbClr val="8064a2"/>
+        <a:srgbClr val="8064A2"/>
       </a:accent4>
       <a:accent5>
-        <a:srgbClr val="4bacc6"/>
+        <a:srgbClr val="4BACC6"/>
       </a:accent5>
       <a:accent6>
-        <a:srgbClr val="f79646"/>
+        <a:srgbClr val="F79646"/>
       </a:accent6>
       <a:hlink>
-        <a:srgbClr val="0000ff"/>
+        <a:srgbClr val="0000FF"/>
       </a:hlink>
       <a:folHlink>
         <a:srgbClr val="800080"/>
@@ -4369,5 +4847,7 @@
       </a:bgFillStyleLst>
     </a:fmtScheme>
   </a:themeElements>
+  <a:objectDefaults/>
+  <a:extraClrSchemeLst/>
 </a:theme>
 </file>